--- a/tests/testthat/temp_fullslide.pptx
+++ b/tests/testthat/temp_fullslide.pptx
@@ -206,7 +206,7 @@
           <a:p>
             <a:fld id="{E6375376-077A-8F42-9E71-155E70FB596E}" type="datetimeFigureOut">
               <a:rPr lang="en-US" smtClean="0"/>
-              <a:t>3/3/25</a:t>
+              <a:t>4/3/25</a:t>
             </a:fld>
             <a:endParaRPr lang="en-US"/>
           </a:p>
@@ -1204,7 +1204,7 @@
           <a:p>
             <a:fld id="{184C34C6-D93D-964F-98F1-8B05274CB5BF}" type="datetimeFigureOut">
               <a:rPr lang="en-US" smtClean="0"/>
-              <a:t>3/3/25</a:t>
+              <a:t>4/3/25</a:t>
             </a:fld>
             <a:endParaRPr lang="en-US"/>
           </a:p>
@@ -1425,7 +1425,7 @@
           <a:p>
             <a:fld id="{184C34C6-D93D-964F-98F1-8B05274CB5BF}" type="datetimeFigureOut">
               <a:rPr lang="en-US" smtClean="0"/>
-              <a:t>3/3/25</a:t>
+              <a:t>4/3/25</a:t>
             </a:fld>
             <a:endParaRPr lang="en-US" dirty="0"/>
           </a:p>
@@ -1749,7 +1749,7 @@
           <a:p>
             <a:fld id="{184C34C6-D93D-964F-98F1-8B05274CB5BF}" type="datetimeFigureOut">
               <a:rPr lang="en-US" smtClean="0"/>
-              <a:t>3/3/25</a:t>
+              <a:t>4/3/25</a:t>
             </a:fld>
             <a:endParaRPr lang="en-US" dirty="0"/>
           </a:p>
@@ -2266,7 +2266,7 @@
           <a:p>
             <a:fld id="{184C34C6-D93D-964F-98F1-8B05274CB5BF}" type="datetimeFigureOut">
               <a:rPr lang="en-US" smtClean="0"/>
-              <a:t>3/3/25</a:t>
+              <a:t>4/3/25</a:t>
             </a:fld>
             <a:endParaRPr lang="en-US" dirty="0"/>
           </a:p>
@@ -2605,10 +2605,10 @@
       </p:sp>
       <p:sp>
         <p:nvSpPr>
-          <p:cNvPr id="3" name="Content Placeholder 3">
+          <p:cNvPr id="5" name="Content Placeholder 3">
             <a:extLst>
               <a:ext uri="{FF2B5EF4-FFF2-40B4-BE49-F238E27FC236}">
-                <a16:creationId xmlns:a16="http://schemas.microsoft.com/office/drawing/2014/main" id="{308335A6-FEDB-3236-69EC-4D55F9E69E71}"/>
+                <a16:creationId xmlns:a16="http://schemas.microsoft.com/office/drawing/2014/main" id="{65DDA1B1-E990-1373-D6AB-EF6EEB4045CA}"/>
               </a:ext>
             </a:extLst>
           </p:cNvPr>
@@ -2616,51 +2616,22 @@
             <a:spLocks noGrp="1"/>
           </p:cNvSpPr>
           <p:nvPr>
-            <p:ph sz="quarter" idx="13"/>
+            <p:ph type="chart" sz="quarter" idx="12"/>
           </p:nvPr>
         </p:nvSpPr>
         <p:spPr>
           <a:xfrm>
-            <a:off x="536713" y="1517569"/>
-            <a:ext cx="11002617" cy="5068800"/>
+            <a:off x="371475" y="1808163"/>
+            <a:ext cx="11412538" cy="4284662"/>
           </a:xfrm>
         </p:spPr>
         <p:txBody>
           <a:bodyPr/>
           <a:lstStyle/>
           <a:p>
-            <a:pPr lvl="0"/>
             <a:r>
               <a:rPr lang="en-GB"/>
-              <a:t>Click to edit Master text styles</a:t>
-            </a:r>
-          </a:p>
-          <a:p>
-            <a:pPr lvl="1"/>
-            <a:r>
-              <a:rPr lang="en-GB"/>
-              <a:t>Second level</a:t>
-            </a:r>
-          </a:p>
-          <a:p>
-            <a:pPr lvl="2"/>
-            <a:r>
-              <a:rPr lang="en-GB"/>
-              <a:t>Third level</a:t>
-            </a:r>
-          </a:p>
-          <a:p>
-            <a:pPr lvl="3"/>
-            <a:r>
-              <a:rPr lang="en-GB"/>
-              <a:t>Fourth level</a:t>
-            </a:r>
-          </a:p>
-          <a:p>
-            <a:pPr lvl="4"/>
-            <a:r>
-              <a:rPr lang="en-GB"/>
-              <a:t>Fifth level</a:t>
+              <a:t>Click icon to add chart</a:t>
             </a:r>
             <a:endParaRPr lang="en-AU"/>
           </a:p>
@@ -2668,10 +2639,55 @@
       </p:sp>
       <p:sp>
         <p:nvSpPr>
-          <p:cNvPr id="46" name="Content Placeholder 2">
+          <p:cNvPr id="7" name="Caption Placeholder 1">
             <a:extLst>
               <a:ext uri="{FF2B5EF4-FFF2-40B4-BE49-F238E27FC236}">
-                <a16:creationId xmlns:a16="http://schemas.microsoft.com/office/drawing/2014/main" id="{48F4585A-2D72-19E2-7B40-41FEB45DABA5}"/>
+                <a16:creationId xmlns:a16="http://schemas.microsoft.com/office/drawing/2014/main" id="{0B68B2F7-35DA-8DD2-1D07-9D280795C281}"/>
+              </a:ext>
+            </a:extLst>
+          </p:cNvPr>
+          <p:cNvSpPr>
+            <a:spLocks noGrp="1"/>
+          </p:cNvSpPr>
+          <p:nvPr>
+            <p:ph type="body" sz="quarter" idx="11" hasCustomPrompt="1"/>
+          </p:nvPr>
+        </p:nvSpPr>
+        <p:spPr>
+          <a:xfrm>
+            <a:off x="371475" y="6239781"/>
+            <a:ext cx="10662320" cy="455613"/>
+          </a:xfrm>
+        </p:spPr>
+        <p:txBody>
+          <a:bodyPr anchor="t">
+            <a:normAutofit/>
+          </a:bodyPr>
+          <a:lstStyle>
+            <a:lvl1pPr marL="0" indent="0">
+              <a:spcBef>
+                <a:spcPts val="200"/>
+              </a:spcBef>
+              <a:buNone/>
+              <a:defRPr sz="800"/>
+            </a:lvl1pPr>
+          </a:lstStyle>
+          <a:p>
+            <a:pPr lvl="0"/>
+            <a:r>
+              <a:rPr lang="en-GB" dirty="0"/>
+              <a:t>Insert source and notes here</a:t>
+            </a:r>
+            <a:endParaRPr lang="en-AU" dirty="0"/>
+          </a:p>
+        </p:txBody>
+      </p:sp>
+      <p:sp>
+        <p:nvSpPr>
+          <p:cNvPr id="8" name="Content Placeholder 2">
+            <a:extLst>
+              <a:ext uri="{FF2B5EF4-FFF2-40B4-BE49-F238E27FC236}">
+                <a16:creationId xmlns:a16="http://schemas.microsoft.com/office/drawing/2014/main" id="{1B2EC199-2580-9D84-9E72-CE7324DB7A05}"/>
               </a:ext>
             </a:extLst>
           </p:cNvPr>
@@ -2684,13 +2700,13 @@
         </p:nvSpPr>
         <p:spPr>
           <a:xfrm>
-            <a:off x="378478" y="1192801"/>
-            <a:ext cx="11398531" cy="306710"/>
+            <a:off x="378478" y="1312069"/>
+            <a:ext cx="11398531" cy="335156"/>
           </a:xfrm>
         </p:spPr>
         <p:txBody>
           <a:bodyPr>
-            <a:normAutofit/>
+            <a:noAutofit/>
           </a:bodyPr>
           <a:lstStyle>
             <a:lvl1pPr marL="0" indent="0">
@@ -2703,54 +2719,6 @@
             <a:r>
               <a:rPr lang="en-GB" dirty="0"/>
               <a:t>Insert unit title</a:t>
-            </a:r>
-            <a:endParaRPr lang="en-AU" dirty="0"/>
-          </a:p>
-        </p:txBody>
-      </p:sp>
-      <p:sp>
-        <p:nvSpPr>
-          <p:cNvPr id="48" name="Caption Placeholder 1">
-            <a:extLst>
-              <a:ext uri="{FF2B5EF4-FFF2-40B4-BE49-F238E27FC236}">
-                <a16:creationId xmlns:a16="http://schemas.microsoft.com/office/drawing/2014/main" id="{69F7CE92-E1D5-B5FE-FFCF-4017AEF4DBAA}"/>
-              </a:ext>
-            </a:extLst>
-          </p:cNvPr>
-          <p:cNvSpPr>
-            <a:spLocks noGrp="1"/>
-          </p:cNvSpPr>
-          <p:nvPr>
-            <p:ph type="body" sz="quarter" idx="11" hasCustomPrompt="1"/>
-          </p:nvPr>
-        </p:nvSpPr>
-        <p:spPr>
-          <a:xfrm>
-            <a:off x="371474" y="6586456"/>
-            <a:ext cx="11412539" cy="228206"/>
-          </a:xfrm>
-        </p:spPr>
-        <p:txBody>
-          <a:bodyPr anchor="b" anchorCtr="0">
-            <a:noAutofit/>
-          </a:bodyPr>
-          <a:lstStyle>
-            <a:lvl1pPr marL="0" indent="0">
-              <a:lnSpc>
-                <a:spcPct val="100000"/>
-              </a:lnSpc>
-              <a:spcBef>
-                <a:spcPts val="0"/>
-              </a:spcBef>
-              <a:buNone/>
-              <a:defRPr sz="800"/>
-            </a:lvl1pPr>
-          </a:lstStyle>
-          <a:p>
-            <a:pPr lvl="0"/>
-            <a:r>
-              <a:rPr lang="en-GB" dirty="0"/>
-              <a:t>Insert source and notes here</a:t>
             </a:r>
             <a:endParaRPr lang="en-AU" dirty="0"/>
           </a:p>
@@ -2957,7 +2925,7 @@
           <a:p>
             <a:fld id="{184C34C6-D93D-964F-98F1-8B05274CB5BF}" type="datetimeFigureOut">
               <a:rPr lang="en-AU" noProof="0" smtClean="0"/>
-              <a:t>3/3/2025</a:t>
+              <a:t>3/4/2025</a:t>
             </a:fld>
             <a:endParaRPr lang="en-AU" noProof="0"/>
           </a:p>
@@ -3400,8 +3368,8 @@
         </p:nvSpPr>
         <p:spPr>
           <a:xfrm>
-            <a:off x="378478" y="1192801"/>
-            <a:ext cx="11398531" cy="306710"/>
+            <a:off x="378478" y="1312069"/>
+            <a:ext cx="11398531" cy="335156"/>
           </a:xfrm>
         </p:spPr>
         <p:txBody>
@@ -3423,10 +3391,10 @@
         </p:nvGrpSpPr>
         <p:grpSpPr>
           <a:xfrm>
-            <a:off x="536713" y="1517569"/>
-            <a:ext cx="11002617" cy="5068800"/>
-            <a:chOff x="536713" y="1517569"/>
-            <a:chExt cx="11002617" cy="5068800"/>
+            <a:off x="371475" y="1808163"/>
+            <a:ext cx="11412538" cy="4284662"/>
+            <a:chOff x="371475" y="1808163"/>
+            <a:chExt cx="11412538" cy="4284662"/>
           </a:xfrm>
         </p:grpSpPr>
         <p:sp>
@@ -3437,8 +3405,8 @@
           </p:nvSpPr>
           <p:spPr>
             <a:xfrm>
-              <a:off x="536713" y="1517569"/>
-              <a:ext cx="11002617" cy="5068800"/>
+              <a:off x="371475" y="1808162"/>
+              <a:ext cx="11412538" cy="4284662"/>
             </a:xfrm>
             <a:prstGeom prst="rect">
               <a:avLst/>
@@ -3472,8 +3440,8 @@
           </p:nvSpPr>
           <p:spPr>
             <a:xfrm>
-              <a:off x="959143" y="1587158"/>
-              <a:ext cx="10510597" cy="4596207"/>
+              <a:off x="793905" y="1877752"/>
+              <a:ext cx="10920518" cy="3812069"/>
             </a:xfrm>
             <a:prstGeom prst="rect">
               <a:avLst/>
@@ -3498,21 +3466,21 @@
           </p:nvSpPr>
           <p:spPr>
             <a:xfrm>
-              <a:off x="959143" y="5601061"/>
-              <a:ext cx="10510597" cy="0"/>
+              <a:off x="793905" y="5206861"/>
+              <a:ext cx="10920518" cy="0"/>
             </a:xfrm>
             <a:custGeom>
               <a:avLst/>
               <a:pathLst>
-                <a:path w="10510597" h="0">
+                <a:path w="10920518" h="0">
                   <a:moveTo>
                     <a:pt x="0" y="0"/>
                   </a:moveTo>
                   <a:lnTo>
-                    <a:pt x="10510597" y="0"/>
+                    <a:pt x="10920518" y="0"/>
                   </a:lnTo>
                   <a:lnTo>
-                    <a:pt x="10510597" y="0"/>
+                    <a:pt x="10920518" y="0"/>
                   </a:lnTo>
                 </a:path>
               </a:pathLst>
@@ -3541,21 +3509,21 @@
           </p:nvSpPr>
           <p:spPr>
             <a:xfrm>
-              <a:off x="959143" y="4712046"/>
-              <a:ext cx="10510597" cy="0"/>
+              <a:off x="793905" y="4469517"/>
+              <a:ext cx="10920518" cy="0"/>
             </a:xfrm>
             <a:custGeom>
               <a:avLst/>
               <a:pathLst>
-                <a:path w="10510597" h="0">
+                <a:path w="10920518" h="0">
                   <a:moveTo>
                     <a:pt x="0" y="0"/>
                   </a:moveTo>
                   <a:lnTo>
-                    <a:pt x="10510597" y="0"/>
+                    <a:pt x="10920518" y="0"/>
                   </a:lnTo>
                   <a:lnTo>
-                    <a:pt x="10510597" y="0"/>
+                    <a:pt x="10920518" y="0"/>
                   </a:lnTo>
                 </a:path>
               </a:pathLst>
@@ -3584,21 +3552,21 @@
           </p:nvSpPr>
           <p:spPr>
             <a:xfrm>
-              <a:off x="959143" y="3823030"/>
-              <a:ext cx="10510597" cy="0"/>
+              <a:off x="793905" y="3732172"/>
+              <a:ext cx="10920518" cy="0"/>
             </a:xfrm>
             <a:custGeom>
               <a:avLst/>
               <a:pathLst>
-                <a:path w="10510597" h="0">
+                <a:path w="10920518" h="0">
                   <a:moveTo>
                     <a:pt x="0" y="0"/>
                   </a:moveTo>
                   <a:lnTo>
-                    <a:pt x="10510597" y="0"/>
+                    <a:pt x="10920518" y="0"/>
                   </a:lnTo>
                   <a:lnTo>
-                    <a:pt x="10510597" y="0"/>
+                    <a:pt x="10920518" y="0"/>
                   </a:lnTo>
                 </a:path>
               </a:pathLst>
@@ -3627,21 +3595,21 @@
           </p:nvSpPr>
           <p:spPr>
             <a:xfrm>
-              <a:off x="959143" y="2934015"/>
-              <a:ext cx="10510597" cy="0"/>
+              <a:off x="793905" y="2994828"/>
+              <a:ext cx="10920518" cy="0"/>
             </a:xfrm>
             <a:custGeom>
               <a:avLst/>
               <a:pathLst>
-                <a:path w="10510597" h="0">
+                <a:path w="10920518" h="0">
                   <a:moveTo>
                     <a:pt x="0" y="0"/>
                   </a:moveTo>
                   <a:lnTo>
-                    <a:pt x="10510597" y="0"/>
+                    <a:pt x="10920518" y="0"/>
                   </a:lnTo>
                   <a:lnTo>
-                    <a:pt x="10510597" y="0"/>
+                    <a:pt x="10920518" y="0"/>
                   </a:lnTo>
                 </a:path>
               </a:pathLst>
@@ -3670,21 +3638,21 @@
           </p:nvSpPr>
           <p:spPr>
             <a:xfrm>
-              <a:off x="959143" y="2045000"/>
-              <a:ext cx="10510597" cy="0"/>
+              <a:off x="793905" y="2257484"/>
+              <a:ext cx="10920518" cy="0"/>
             </a:xfrm>
             <a:custGeom>
               <a:avLst/>
               <a:pathLst>
-                <a:path w="10510597" h="0">
+                <a:path w="10920518" h="0">
                   <a:moveTo>
                     <a:pt x="0" y="0"/>
                   </a:moveTo>
                   <a:lnTo>
-                    <a:pt x="10510597" y="0"/>
+                    <a:pt x="10920518" y="0"/>
                   </a:lnTo>
                   <a:lnTo>
-                    <a:pt x="10510597" y="0"/>
+                    <a:pt x="10920518" y="0"/>
                   </a:lnTo>
                 </a:path>
               </a:pathLst>
@@ -3713,15 +3681,15 @@
           </p:nvSpPr>
           <p:spPr>
             <a:xfrm>
-              <a:off x="1405136" y="1587158"/>
-              <a:ext cx="0" cy="4596207"/>
+              <a:off x="1257292" y="1877752"/>
+              <a:ext cx="0" cy="3812069"/>
             </a:xfrm>
             <a:custGeom>
               <a:avLst/>
               <a:pathLst>
-                <a:path w="0" h="4596207">
+                <a:path w="0" h="3812069">
                   <a:moveTo>
-                    <a:pt x="0" y="4596207"/>
+                    <a:pt x="0" y="3812069"/>
                   </a:moveTo>
                   <a:lnTo>
                     <a:pt x="0" y="0"/>
@@ -3756,15 +3724,15 @@
           </p:nvSpPr>
           <p:spPr>
             <a:xfrm>
-              <a:off x="3848268" y="1587158"/>
-              <a:ext cx="0" cy="4596207"/>
+              <a:off x="3795708" y="1877752"/>
+              <a:ext cx="0" cy="3812069"/>
             </a:xfrm>
             <a:custGeom>
               <a:avLst/>
               <a:pathLst>
-                <a:path w="0" h="4596207">
+                <a:path w="0" h="3812069">
                   <a:moveTo>
-                    <a:pt x="0" y="4596207"/>
+                    <a:pt x="0" y="3812069"/>
                   </a:moveTo>
                   <a:lnTo>
                     <a:pt x="0" y="0"/>
@@ -3799,15 +3767,15 @@
           </p:nvSpPr>
           <p:spPr>
             <a:xfrm>
-              <a:off x="6291400" y="1587158"/>
-              <a:ext cx="0" cy="4596207"/>
+              <a:off x="6334124" y="1877752"/>
+              <a:ext cx="0" cy="3812069"/>
             </a:xfrm>
             <a:custGeom>
               <a:avLst/>
               <a:pathLst>
-                <a:path w="0" h="4596207">
+                <a:path w="0" h="3812069">
                   <a:moveTo>
-                    <a:pt x="0" y="4596207"/>
+                    <a:pt x="0" y="3812069"/>
                   </a:moveTo>
                   <a:lnTo>
                     <a:pt x="0" y="0"/>
@@ -3842,15 +3810,15 @@
           </p:nvSpPr>
           <p:spPr>
             <a:xfrm>
-              <a:off x="8734532" y="1587158"/>
-              <a:ext cx="0" cy="4596207"/>
+              <a:off x="8872540" y="1877752"/>
+              <a:ext cx="0" cy="3812069"/>
             </a:xfrm>
             <a:custGeom>
               <a:avLst/>
               <a:pathLst>
-                <a:path w="0" h="4596207">
+                <a:path w="0" h="3812069">
                   <a:moveTo>
-                    <a:pt x="0" y="4596207"/>
+                    <a:pt x="0" y="3812069"/>
                   </a:moveTo>
                   <a:lnTo>
                     <a:pt x="0" y="0"/>
@@ -3885,15 +3853,15 @@
           </p:nvSpPr>
           <p:spPr>
             <a:xfrm>
-              <a:off x="11177664" y="1587158"/>
-              <a:ext cx="0" cy="4596207"/>
+              <a:off x="11410956" y="1877752"/>
+              <a:ext cx="0" cy="3812069"/>
             </a:xfrm>
             <a:custGeom>
               <a:avLst/>
               <a:pathLst>
-                <a:path w="0" h="4596207">
+                <a:path w="0" h="3812069">
                   <a:moveTo>
-                    <a:pt x="0" y="4596207"/>
+                    <a:pt x="0" y="3812069"/>
                   </a:moveTo>
                   <a:lnTo>
                     <a:pt x="0" y="0"/>
@@ -3928,21 +3896,21 @@
           </p:nvSpPr>
           <p:spPr>
             <a:xfrm>
-              <a:off x="959143" y="6045568"/>
-              <a:ext cx="10510597" cy="0"/>
+              <a:off x="793905" y="5575533"/>
+              <a:ext cx="10920518" cy="0"/>
             </a:xfrm>
             <a:custGeom>
               <a:avLst/>
               <a:pathLst>
-                <a:path w="10510597" h="0">
+                <a:path w="10920518" h="0">
                   <a:moveTo>
                     <a:pt x="0" y="0"/>
                   </a:moveTo>
                   <a:lnTo>
-                    <a:pt x="10510597" y="0"/>
+                    <a:pt x="10920518" y="0"/>
                   </a:lnTo>
                   <a:lnTo>
-                    <a:pt x="10510597" y="0"/>
+                    <a:pt x="10920518" y="0"/>
                   </a:lnTo>
                 </a:path>
               </a:pathLst>
@@ -3971,21 +3939,21 @@
           </p:nvSpPr>
           <p:spPr>
             <a:xfrm>
-              <a:off x="959143" y="5156553"/>
-              <a:ext cx="10510597" cy="0"/>
+              <a:off x="793905" y="4838189"/>
+              <a:ext cx="10920518" cy="0"/>
             </a:xfrm>
             <a:custGeom>
               <a:avLst/>
               <a:pathLst>
-                <a:path w="10510597" h="0">
+                <a:path w="10920518" h="0">
                   <a:moveTo>
                     <a:pt x="0" y="0"/>
                   </a:moveTo>
                   <a:lnTo>
-                    <a:pt x="10510597" y="0"/>
+                    <a:pt x="10920518" y="0"/>
                   </a:lnTo>
                   <a:lnTo>
-                    <a:pt x="10510597" y="0"/>
+                    <a:pt x="10920518" y="0"/>
                   </a:lnTo>
                 </a:path>
               </a:pathLst>
@@ -4014,21 +3982,21 @@
           </p:nvSpPr>
           <p:spPr>
             <a:xfrm>
-              <a:off x="959143" y="4267538"/>
-              <a:ext cx="10510597" cy="0"/>
+              <a:off x="793905" y="4100845"/>
+              <a:ext cx="10920518" cy="0"/>
             </a:xfrm>
             <a:custGeom>
               <a:avLst/>
               <a:pathLst>
-                <a:path w="10510597" h="0">
+                <a:path w="10920518" h="0">
                   <a:moveTo>
                     <a:pt x="0" y="0"/>
                   </a:moveTo>
                   <a:lnTo>
-                    <a:pt x="10510597" y="0"/>
+                    <a:pt x="10920518" y="0"/>
                   </a:lnTo>
                   <a:lnTo>
-                    <a:pt x="10510597" y="0"/>
+                    <a:pt x="10920518" y="0"/>
                   </a:lnTo>
                 </a:path>
               </a:pathLst>
@@ -4057,21 +4025,21 @@
           </p:nvSpPr>
           <p:spPr>
             <a:xfrm>
-              <a:off x="959143" y="3378523"/>
-              <a:ext cx="10510597" cy="0"/>
+              <a:off x="793905" y="3363500"/>
+              <a:ext cx="10920518" cy="0"/>
             </a:xfrm>
             <a:custGeom>
               <a:avLst/>
               <a:pathLst>
-                <a:path w="10510597" h="0">
+                <a:path w="10920518" h="0">
                   <a:moveTo>
                     <a:pt x="0" y="0"/>
                   </a:moveTo>
                   <a:lnTo>
-                    <a:pt x="10510597" y="0"/>
+                    <a:pt x="10920518" y="0"/>
                   </a:lnTo>
                   <a:lnTo>
-                    <a:pt x="10510597" y="0"/>
+                    <a:pt x="10920518" y="0"/>
                   </a:lnTo>
                 </a:path>
               </a:pathLst>
@@ -4100,21 +4068,21 @@
           </p:nvSpPr>
           <p:spPr>
             <a:xfrm>
-              <a:off x="959143" y="2489508"/>
-              <a:ext cx="10510597" cy="0"/>
+              <a:off x="793905" y="2626156"/>
+              <a:ext cx="10920518" cy="0"/>
             </a:xfrm>
             <a:custGeom>
               <a:avLst/>
               <a:pathLst>
-                <a:path w="10510597" h="0">
+                <a:path w="10920518" h="0">
                   <a:moveTo>
                     <a:pt x="0" y="0"/>
                   </a:moveTo>
                   <a:lnTo>
-                    <a:pt x="10510597" y="0"/>
+                    <a:pt x="10920518" y="0"/>
                   </a:lnTo>
                   <a:lnTo>
-                    <a:pt x="10510597" y="0"/>
+                    <a:pt x="10920518" y="0"/>
                   </a:lnTo>
                 </a:path>
               </a:pathLst>
@@ -4143,21 +4111,21 @@
           </p:nvSpPr>
           <p:spPr>
             <a:xfrm>
-              <a:off x="959143" y="1600493"/>
-              <a:ext cx="10510597" cy="0"/>
+              <a:off x="793905" y="1888812"/>
+              <a:ext cx="10920518" cy="0"/>
             </a:xfrm>
             <a:custGeom>
               <a:avLst/>
               <a:pathLst>
-                <a:path w="10510597" h="0">
+                <a:path w="10920518" h="0">
                   <a:moveTo>
                     <a:pt x="0" y="0"/>
                   </a:moveTo>
                   <a:lnTo>
-                    <a:pt x="10510597" y="0"/>
+                    <a:pt x="10920518" y="0"/>
                   </a:lnTo>
                   <a:lnTo>
-                    <a:pt x="10510597" y="0"/>
+                    <a:pt x="10920518" y="0"/>
                   </a:lnTo>
                 </a:path>
               </a:pathLst>
@@ -4186,15 +4154,15 @@
           </p:nvSpPr>
           <p:spPr>
             <a:xfrm>
-              <a:off x="2626702" y="1587158"/>
-              <a:ext cx="0" cy="4596207"/>
+              <a:off x="2526500" y="1877752"/>
+              <a:ext cx="0" cy="3812069"/>
             </a:xfrm>
             <a:custGeom>
               <a:avLst/>
               <a:pathLst>
-                <a:path w="0" h="4596207">
+                <a:path w="0" h="3812069">
                   <a:moveTo>
-                    <a:pt x="0" y="4596207"/>
+                    <a:pt x="0" y="3812069"/>
                   </a:moveTo>
                   <a:lnTo>
                     <a:pt x="0" y="0"/>
@@ -4229,15 +4197,15 @@
           </p:nvSpPr>
           <p:spPr>
             <a:xfrm>
-              <a:off x="5069834" y="1587158"/>
-              <a:ext cx="0" cy="4596207"/>
+              <a:off x="5064916" y="1877752"/>
+              <a:ext cx="0" cy="3812069"/>
             </a:xfrm>
             <a:custGeom>
               <a:avLst/>
               <a:pathLst>
-                <a:path w="0" h="4596207">
+                <a:path w="0" h="3812069">
                   <a:moveTo>
-                    <a:pt x="0" y="4596207"/>
+                    <a:pt x="0" y="3812069"/>
                   </a:moveTo>
                   <a:lnTo>
                     <a:pt x="0" y="0"/>
@@ -4272,15 +4240,15 @@
           </p:nvSpPr>
           <p:spPr>
             <a:xfrm>
-              <a:off x="7512966" y="1587158"/>
-              <a:ext cx="0" cy="4596207"/>
+              <a:off x="7603332" y="1877752"/>
+              <a:ext cx="0" cy="3812069"/>
             </a:xfrm>
             <a:custGeom>
               <a:avLst/>
               <a:pathLst>
-                <a:path w="0" h="4596207">
+                <a:path w="0" h="3812069">
                   <a:moveTo>
-                    <a:pt x="0" y="4596207"/>
+                    <a:pt x="0" y="3812069"/>
                   </a:moveTo>
                   <a:lnTo>
                     <a:pt x="0" y="0"/>
@@ -4315,15 +4283,15 @@
           </p:nvSpPr>
           <p:spPr>
             <a:xfrm>
-              <a:off x="9956098" y="1587158"/>
-              <a:ext cx="0" cy="4596207"/>
+              <a:off x="10141748" y="1877752"/>
+              <a:ext cx="0" cy="3812069"/>
             </a:xfrm>
             <a:custGeom>
               <a:avLst/>
               <a:pathLst>
-                <a:path w="0" h="4596207">
+                <a:path w="0" h="3812069">
                   <a:moveTo>
-                    <a:pt x="0" y="4596207"/>
+                    <a:pt x="0" y="3812069"/>
                   </a:moveTo>
                   <a:lnTo>
                     <a:pt x="0" y="0"/>
@@ -4358,7 +4326,7 @@
           </p:nvSpPr>
           <p:spPr>
             <a:xfrm>
-              <a:off x="4108369" y="4056660"/>
+              <a:off x="4067243" y="3920301"/>
               <a:ext cx="66150" cy="66150"/>
             </a:xfrm>
             <a:prstGeom prst="ellipse">
@@ -4393,7 +4361,7 @@
           </p:nvSpPr>
           <p:spPr>
             <a:xfrm>
-              <a:off x="4731368" y="4056660"/>
+              <a:off x="4714539" y="3920301"/>
               <a:ext cx="66150" cy="66150"/>
             </a:xfrm>
             <a:prstGeom prst="ellipse">
@@ -4428,7 +4396,7 @@
           </p:nvSpPr>
           <p:spPr>
             <a:xfrm>
-              <a:off x="3375429" y="3736615"/>
+              <a:off x="3305718" y="3654857"/>
               <a:ext cx="66150" cy="66150"/>
             </a:xfrm>
             <a:prstGeom prst="ellipse">
@@ -4463,7 +4431,7 @@
           </p:nvSpPr>
           <p:spPr>
             <a:xfrm>
-              <a:off x="5562033" y="3985539"/>
+              <a:off x="5577601" y="3861313"/>
               <a:ext cx="66150" cy="66150"/>
             </a:xfrm>
             <a:prstGeom prst="ellipse">
@@ -4498,7 +4466,7 @@
           </p:nvSpPr>
           <p:spPr>
             <a:xfrm>
-              <a:off x="6111737" y="4465607"/>
+              <a:off x="6148744" y="4259479"/>
               <a:ext cx="66150" cy="66150"/>
             </a:xfrm>
             <a:prstGeom prst="ellipse">
@@ -4533,7 +4501,7 @@
           </p:nvSpPr>
           <p:spPr>
             <a:xfrm>
-              <a:off x="6160600" y="4572289"/>
+              <a:off x="6199512" y="4347960"/>
               <a:ext cx="66150" cy="66150"/>
             </a:xfrm>
             <a:prstGeom prst="ellipse">
@@ -4568,7 +4536,7 @@
           </p:nvSpPr>
           <p:spPr>
             <a:xfrm>
-              <a:off x="6429344" y="5247940"/>
+              <a:off x="6478738" y="4908342"/>
               <a:ext cx="66150" cy="66150"/>
             </a:xfrm>
             <a:prstGeom prst="ellipse">
@@ -4603,7 +4571,7 @@
           </p:nvSpPr>
           <p:spPr>
             <a:xfrm>
-              <a:off x="5500954" y="3452130"/>
+              <a:off x="5514140" y="3418907"/>
               <a:ext cx="66150" cy="66150"/>
             </a:xfrm>
             <a:prstGeom prst="ellipse">
@@ -4638,7 +4606,7 @@
           </p:nvSpPr>
           <p:spPr>
             <a:xfrm>
-              <a:off x="5403229" y="3736615"/>
+              <a:off x="5412604" y="3654857"/>
               <a:ext cx="66150" cy="66150"/>
             </a:xfrm>
             <a:prstGeom prst="ellipse">
@@ -4673,7 +4641,7 @@
           </p:nvSpPr>
           <p:spPr>
             <a:xfrm>
-              <a:off x="6111737" y="4376705"/>
+              <a:off x="6148744" y="4185745"/>
               <a:ext cx="66150" cy="66150"/>
             </a:xfrm>
             <a:prstGeom prst="ellipse">
@@ -4708,7 +4676,7 @@
           </p:nvSpPr>
           <p:spPr>
             <a:xfrm>
-              <a:off x="6111737" y="4625630"/>
+              <a:off x="6148744" y="4392201"/>
               <a:ext cx="66150" cy="66150"/>
             </a:xfrm>
             <a:prstGeom prst="ellipse">
@@ -4743,7 +4711,7 @@
           </p:nvSpPr>
           <p:spPr>
             <a:xfrm>
-              <a:off x="7650910" y="4874554"/>
+              <a:off x="7747946" y="4598657"/>
               <a:ext cx="66150" cy="66150"/>
             </a:xfrm>
             <a:prstGeom prst="ellipse">
@@ -4778,7 +4746,7 @@
           </p:nvSpPr>
           <p:spPr>
             <a:xfrm>
-              <a:off x="6820246" y="4714531"/>
+              <a:off x="6884885" y="4465935"/>
               <a:ext cx="66150" cy="66150"/>
             </a:xfrm>
             <a:prstGeom prst="ellipse">
@@ -4813,7 +4781,7 @@
           </p:nvSpPr>
           <p:spPr>
             <a:xfrm>
-              <a:off x="6942402" y="5087917"/>
+              <a:off x="7011806" y="4775620"/>
               <a:ext cx="66150" cy="66150"/>
             </a:xfrm>
             <a:prstGeom prst="ellipse">
@@ -4848,7 +4816,7 @@
           </p:nvSpPr>
           <p:spPr>
             <a:xfrm>
-              <a:off x="10533806" y="5941372"/>
+              <a:off x="10743277" y="5483471"/>
               <a:ext cx="66150" cy="66150"/>
             </a:xfrm>
             <a:prstGeom prst="ellipse">
@@ -4883,7 +4851,7 @@
           </p:nvSpPr>
           <p:spPr>
             <a:xfrm>
-              <a:off x="10958911" y="5941372"/>
+              <a:off x="11184961" y="5483471"/>
               <a:ext cx="66150" cy="66150"/>
             </a:xfrm>
             <a:prstGeom prst="ellipse">
@@ -4918,7 +4886,7 @@
           </p:nvSpPr>
           <p:spPr>
             <a:xfrm>
-              <a:off x="10765904" y="5176819"/>
+              <a:off x="10984426" y="4849354"/>
               <a:ext cx="66150" cy="66150"/>
             </a:xfrm>
             <a:prstGeom prst="ellipse">
@@ -4953,7 +4921,7 @@
           </p:nvSpPr>
           <p:spPr>
             <a:xfrm>
-              <a:off x="3082254" y="2029706"/>
+              <a:off x="3001108" y="2239156"/>
               <a:ext cx="66150" cy="66150"/>
             </a:xfrm>
             <a:prstGeom prst="ellipse">
@@ -4988,7 +4956,7 @@
           </p:nvSpPr>
           <p:spPr>
             <a:xfrm>
-              <a:off x="1653021" y="2385312"/>
+              <a:off x="1516135" y="2534093"/>
               <a:ext cx="66150" cy="66150"/>
             </a:xfrm>
             <a:prstGeom prst="ellipse">
@@ -5023,7 +4991,7 @@
           </p:nvSpPr>
           <p:spPr>
             <a:xfrm>
-              <a:off x="2190510" y="1763001"/>
+              <a:off x="2074587" y="2017952"/>
               <a:ext cx="66150" cy="66150"/>
             </a:xfrm>
             <a:prstGeom prst="ellipse">
@@ -5058,7 +5026,7 @@
           </p:nvSpPr>
           <p:spPr>
             <a:xfrm>
-              <a:off x="3729684" y="3967758"/>
+              <a:off x="3673789" y="3846566"/>
               <a:ext cx="66150" cy="66150"/>
             </a:xfrm>
             <a:prstGeom prst="ellipse">
@@ -5093,7 +5061,7 @@
           </p:nvSpPr>
           <p:spPr>
             <a:xfrm>
-              <a:off x="6307188" y="5034577"/>
+              <a:off x="6351817" y="4731379"/>
               <a:ext cx="66150" cy="66150"/>
             </a:xfrm>
             <a:prstGeom prst="ellipse">
@@ -5128,7 +5096,7 @@
           </p:nvSpPr>
           <p:spPr>
             <a:xfrm>
-              <a:off x="6099522" y="5087917"/>
+              <a:off x="6136052" y="4775620"/>
               <a:ext cx="66150" cy="66150"/>
             </a:xfrm>
             <a:prstGeom prst="ellipse">
@@ -5163,7 +5131,7 @@
           </p:nvSpPr>
           <p:spPr>
             <a:xfrm>
-              <a:off x="7088990" y="5425743"/>
+              <a:off x="7164110" y="5055811"/>
               <a:ext cx="66150" cy="66150"/>
             </a:xfrm>
             <a:prstGeom prst="ellipse">
@@ -5198,7 +5166,7 @@
           </p:nvSpPr>
           <p:spPr>
             <a:xfrm>
-              <a:off x="7101206" y="4376705"/>
+              <a:off x="7176803" y="4185745"/>
               <a:ext cx="66150" cy="66150"/>
             </a:xfrm>
             <a:prstGeom prst="ellipse">
@@ -5233,7 +5201,7 @@
           </p:nvSpPr>
           <p:spPr>
             <a:xfrm>
-              <a:off x="2434824" y="2936501"/>
+              <a:off x="2328428" y="2991247"/>
               <a:ext cx="66150" cy="66150"/>
             </a:xfrm>
             <a:prstGeom prst="ellipse">
@@ -5268,7 +5236,7 @@
           </p:nvSpPr>
           <p:spPr>
             <a:xfrm>
-              <a:off x="2935666" y="3167645"/>
+              <a:off x="2848804" y="3182956"/>
               <a:ext cx="66150" cy="66150"/>
             </a:xfrm>
             <a:prstGeom prst="ellipse">
@@ -5303,7 +5271,7 @@
           </p:nvSpPr>
           <p:spPr>
             <a:xfrm>
-              <a:off x="1403822" y="2385312"/>
+              <a:off x="1257217" y="2534093"/>
               <a:ext cx="66150" cy="66150"/>
             </a:xfrm>
             <a:prstGeom prst="ellipse">
@@ -5338,7 +5306,7 @@
           </p:nvSpPr>
           <p:spPr>
             <a:xfrm>
-              <a:off x="5452092" y="4981236"/>
+              <a:off x="5463372" y="4687139"/>
               <a:ext cx="66150" cy="66150"/>
             </a:xfrm>
             <a:prstGeom prst="ellipse">
@@ -5373,7 +5341,7 @@
           </p:nvSpPr>
           <p:spPr>
             <a:xfrm>
-              <a:off x="4474839" y="4287804"/>
+              <a:off x="4448006" y="4112010"/>
               <a:ext cx="66150" cy="66150"/>
             </a:xfrm>
             <a:prstGeom prst="ellipse">
@@ -5408,7 +5376,7 @@
           </p:nvSpPr>
           <p:spPr>
             <a:xfrm>
-              <a:off x="6429344" y="5123478"/>
+              <a:off x="6478738" y="4805114"/>
               <a:ext cx="66150" cy="66150"/>
             </a:xfrm>
             <a:prstGeom prst="ellipse">
@@ -5443,7 +5411,7 @@
           </p:nvSpPr>
           <p:spPr>
             <a:xfrm>
-              <a:off x="4499270" y="3985539"/>
+              <a:off x="4473390" y="3861313"/>
               <a:ext cx="66150" cy="66150"/>
             </a:xfrm>
             <a:prstGeom prst="ellipse">
@@ -5478,7 +5446,7 @@
           </p:nvSpPr>
           <p:spPr>
             <a:xfrm>
-              <a:off x="772201" y="6005377"/>
+              <a:off x="606963" y="5535342"/>
               <a:ext cx="124311" cy="80272"/>
             </a:xfrm>
             <a:prstGeom prst="rect">
@@ -5524,7 +5492,7 @@
           </p:nvSpPr>
           <p:spPr>
             <a:xfrm>
-              <a:off x="772201" y="5116853"/>
+              <a:off x="606963" y="4798489"/>
               <a:ext cx="124311" cy="79781"/>
             </a:xfrm>
             <a:prstGeom prst="rect">
@@ -5570,7 +5538,7 @@
           </p:nvSpPr>
           <p:spPr>
             <a:xfrm>
-              <a:off x="772201" y="4227074"/>
+              <a:off x="606963" y="4060381"/>
               <a:ext cx="124311" cy="80545"/>
             </a:xfrm>
             <a:prstGeom prst="rect">
@@ -5616,7 +5584,7 @@
           </p:nvSpPr>
           <p:spPr>
             <a:xfrm>
-              <a:off x="772201" y="3338223"/>
+              <a:off x="606963" y="3323200"/>
               <a:ext cx="124311" cy="80382"/>
             </a:xfrm>
             <a:prstGeom prst="rect">
@@ -5662,7 +5630,7 @@
           </p:nvSpPr>
           <p:spPr>
             <a:xfrm>
-              <a:off x="772201" y="2449208"/>
+              <a:off x="606963" y="2585856"/>
               <a:ext cx="124311" cy="80382"/>
             </a:xfrm>
             <a:prstGeom prst="rect">
@@ -5708,7 +5676,7 @@
           </p:nvSpPr>
           <p:spPr>
             <a:xfrm>
-              <a:off x="772201" y="1560193"/>
+              <a:off x="606963" y="1848512"/>
               <a:ext cx="124311" cy="80382"/>
             </a:xfrm>
             <a:prstGeom prst="rect">
@@ -5754,7 +5722,7 @@
           </p:nvSpPr>
           <p:spPr>
             <a:xfrm>
-              <a:off x="924348" y="6045568"/>
+              <a:off x="759110" y="5575533"/>
               <a:ext cx="34794" cy="0"/>
             </a:xfrm>
             <a:custGeom>
@@ -5794,7 +5762,7 @@
           </p:nvSpPr>
           <p:spPr>
             <a:xfrm>
-              <a:off x="924348" y="5156553"/>
+              <a:off x="759110" y="4838189"/>
               <a:ext cx="34794" cy="0"/>
             </a:xfrm>
             <a:custGeom>
@@ -5834,7 +5802,7 @@
           </p:nvSpPr>
           <p:spPr>
             <a:xfrm>
-              <a:off x="924348" y="4267538"/>
+              <a:off x="759110" y="4100845"/>
               <a:ext cx="34794" cy="0"/>
             </a:xfrm>
             <a:custGeom>
@@ -5874,7 +5842,7 @@
           </p:nvSpPr>
           <p:spPr>
             <a:xfrm>
-              <a:off x="924348" y="3378523"/>
+              <a:off x="759110" y="3363500"/>
               <a:ext cx="34794" cy="0"/>
             </a:xfrm>
             <a:custGeom>
@@ -5914,7 +5882,7 @@
           </p:nvSpPr>
           <p:spPr>
             <a:xfrm>
-              <a:off x="924348" y="2489508"/>
+              <a:off x="759110" y="2626156"/>
               <a:ext cx="34794" cy="0"/>
             </a:xfrm>
             <a:custGeom>
@@ -5954,7 +5922,7 @@
           </p:nvSpPr>
           <p:spPr>
             <a:xfrm>
-              <a:off x="924348" y="1600493"/>
+              <a:off x="759110" y="1888812"/>
               <a:ext cx="34794" cy="0"/>
             </a:xfrm>
             <a:custGeom>
@@ -5994,7 +5962,7 @@
           </p:nvSpPr>
           <p:spPr>
             <a:xfrm>
-              <a:off x="2626702" y="6183365"/>
+              <a:off x="2526500" y="5689821"/>
               <a:ext cx="0" cy="34794"/>
             </a:xfrm>
             <a:custGeom>
@@ -6034,7 +6002,7 @@
           </p:nvSpPr>
           <p:spPr>
             <a:xfrm>
-              <a:off x="5069834" y="6183365"/>
+              <a:off x="5064916" y="5689821"/>
               <a:ext cx="0" cy="34794"/>
             </a:xfrm>
             <a:custGeom>
@@ -6074,7 +6042,7 @@
           </p:nvSpPr>
           <p:spPr>
             <a:xfrm>
-              <a:off x="7512966" y="6183365"/>
+              <a:off x="7603332" y="5689821"/>
               <a:ext cx="0" cy="34794"/>
             </a:xfrm>
             <a:custGeom>
@@ -6114,7 +6082,7 @@
           </p:nvSpPr>
           <p:spPr>
             <a:xfrm>
-              <a:off x="9956098" y="6183365"/>
+              <a:off x="10141748" y="5689821"/>
               <a:ext cx="0" cy="34794"/>
             </a:xfrm>
             <a:custGeom>
@@ -6154,7 +6122,7 @@
           </p:nvSpPr>
           <p:spPr>
             <a:xfrm>
-              <a:off x="2595624" y="6247742"/>
+              <a:off x="2495423" y="5754198"/>
               <a:ext cx="62155" cy="78417"/>
             </a:xfrm>
             <a:prstGeom prst="rect">
@@ -6200,7 +6168,7 @@
           </p:nvSpPr>
           <p:spPr>
             <a:xfrm>
-              <a:off x="5038756" y="6245777"/>
+              <a:off x="5033838" y="5752233"/>
               <a:ext cx="62155" cy="80382"/>
             </a:xfrm>
             <a:prstGeom prst="rect">
@@ -6246,7 +6214,7 @@
           </p:nvSpPr>
           <p:spPr>
             <a:xfrm>
-              <a:off x="7481888" y="6247796"/>
+              <a:off x="7572254" y="5754252"/>
               <a:ext cx="62155" cy="78362"/>
             </a:xfrm>
             <a:prstGeom prst="rect">
@@ -6292,7 +6260,7 @@
           </p:nvSpPr>
           <p:spPr>
             <a:xfrm>
-              <a:off x="9925020" y="6247360"/>
+              <a:off x="10110670" y="5753816"/>
               <a:ext cx="62155" cy="78799"/>
             </a:xfrm>
             <a:prstGeom prst="rect">
@@ -6338,7 +6306,7 @@
           </p:nvSpPr>
           <p:spPr>
             <a:xfrm>
-              <a:off x="6144592" y="6391268"/>
+              <a:off x="6184314" y="5897724"/>
               <a:ext cx="139700" cy="94611"/>
             </a:xfrm>
             <a:prstGeom prst="rect">
@@ -6384,7 +6352,7 @@
           </p:nvSpPr>
           <p:spPr>
             <a:xfrm rot="-5400000">
-              <a:off x="517761" y="3832397"/>
+              <a:off x="352523" y="3730922"/>
               <a:ext cx="271760" cy="105729"/>
             </a:xfrm>
             <a:prstGeom prst="rect">
@@ -6462,8 +6430,8 @@
         </p:nvSpPr>
         <p:spPr>
           <a:xfrm>
-            <a:off x="371474" y="6586456"/>
-            <a:ext cx="11412539" cy="228206"/>
+            <a:off x="371475" y="6239781"/>
+            <a:ext cx="10662320" cy="455613"/>
           </a:xfrm>
         </p:spPr>
         <p:txBody>

--- a/tests/testthat/temp_fullslide.pptx
+++ b/tests/testthat/temp_fullslide.pptx
@@ -509,7 +509,7 @@
             <a:r>
               <a:rPr/>
               <a:t>
-Powerpoint file location: /Users/mbbowes/Documents/GitHub/grattantheme/tests/testthat/temp_fullslide.pptx</a:t>
+Powerpoint file location: C:\Users\parkinsonn\Documents\grattantheme\tests\testthat\temp_fullslide.pptx</a:t>
             </a:r>
           </a:p>
         </p:txBody>
@@ -3440,8 +3440,8 @@
           </p:nvSpPr>
           <p:spPr>
             <a:xfrm>
-              <a:off x="793905" y="1877752"/>
-              <a:ext cx="10920518" cy="3812069"/>
+              <a:off x="792199" y="1877752"/>
+              <a:ext cx="10922224" cy="3815139"/>
             </a:xfrm>
             <a:prstGeom prst="rect">
               <a:avLst/>
@@ -3466,21 +3466,21 @@
           </p:nvSpPr>
           <p:spPr>
             <a:xfrm>
-              <a:off x="793905" y="5206861"/>
-              <a:ext cx="10920518" cy="0"/>
+              <a:off x="792199" y="5209542"/>
+              <a:ext cx="10922224" cy="0"/>
             </a:xfrm>
             <a:custGeom>
               <a:avLst/>
               <a:pathLst>
-                <a:path w="10920518" h="0">
+                <a:path w="10922224" h="0">
                   <a:moveTo>
                     <a:pt x="0" y="0"/>
                   </a:moveTo>
                   <a:lnTo>
-                    <a:pt x="10920518" y="0"/>
+                    <a:pt x="10922224" y="0"/>
                   </a:lnTo>
                   <a:lnTo>
-                    <a:pt x="10920518" y="0"/>
+                    <a:pt x="10922224" y="0"/>
                   </a:lnTo>
                 </a:path>
               </a:pathLst>
@@ -3509,21 +3509,21 @@
           </p:nvSpPr>
           <p:spPr>
             <a:xfrm>
-              <a:off x="793905" y="4469517"/>
-              <a:ext cx="10920518" cy="0"/>
+              <a:off x="792199" y="4471604"/>
+              <a:ext cx="10922224" cy="0"/>
             </a:xfrm>
             <a:custGeom>
               <a:avLst/>
               <a:pathLst>
-                <a:path w="10920518" h="0">
+                <a:path w="10922224" h="0">
                   <a:moveTo>
                     <a:pt x="0" y="0"/>
                   </a:moveTo>
                   <a:lnTo>
-                    <a:pt x="10920518" y="0"/>
+                    <a:pt x="10922224" y="0"/>
                   </a:lnTo>
                   <a:lnTo>
-                    <a:pt x="10920518" y="0"/>
+                    <a:pt x="10922224" y="0"/>
                   </a:lnTo>
                 </a:path>
               </a:pathLst>
@@ -3552,21 +3552,21 @@
           </p:nvSpPr>
           <p:spPr>
             <a:xfrm>
-              <a:off x="793905" y="3732172"/>
-              <a:ext cx="10920518" cy="0"/>
+              <a:off x="792199" y="3733666"/>
+              <a:ext cx="10922224" cy="0"/>
             </a:xfrm>
             <a:custGeom>
               <a:avLst/>
               <a:pathLst>
-                <a:path w="10920518" h="0">
+                <a:path w="10922224" h="0">
                   <a:moveTo>
                     <a:pt x="0" y="0"/>
                   </a:moveTo>
                   <a:lnTo>
-                    <a:pt x="10920518" y="0"/>
+                    <a:pt x="10922224" y="0"/>
                   </a:lnTo>
                   <a:lnTo>
-                    <a:pt x="10920518" y="0"/>
+                    <a:pt x="10922224" y="0"/>
                   </a:lnTo>
                 </a:path>
               </a:pathLst>
@@ -3595,21 +3595,21 @@
           </p:nvSpPr>
           <p:spPr>
             <a:xfrm>
-              <a:off x="793905" y="2994828"/>
-              <a:ext cx="10920518" cy="0"/>
+              <a:off x="792199" y="2995728"/>
+              <a:ext cx="10922224" cy="0"/>
             </a:xfrm>
             <a:custGeom>
               <a:avLst/>
               <a:pathLst>
-                <a:path w="10920518" h="0">
+                <a:path w="10922224" h="0">
                   <a:moveTo>
                     <a:pt x="0" y="0"/>
                   </a:moveTo>
                   <a:lnTo>
-                    <a:pt x="10920518" y="0"/>
+                    <a:pt x="10922224" y="0"/>
                   </a:lnTo>
                   <a:lnTo>
-                    <a:pt x="10920518" y="0"/>
+                    <a:pt x="10922224" y="0"/>
                   </a:lnTo>
                 </a:path>
               </a:pathLst>
@@ -3638,21 +3638,21 @@
           </p:nvSpPr>
           <p:spPr>
             <a:xfrm>
-              <a:off x="793905" y="2257484"/>
-              <a:ext cx="10920518" cy="0"/>
+              <a:off x="792199" y="2257790"/>
+              <a:ext cx="10922224" cy="0"/>
             </a:xfrm>
             <a:custGeom>
               <a:avLst/>
               <a:pathLst>
-                <a:path w="10920518" h="0">
+                <a:path w="10922224" h="0">
                   <a:moveTo>
                     <a:pt x="0" y="0"/>
                   </a:moveTo>
                   <a:lnTo>
-                    <a:pt x="10920518" y="0"/>
+                    <a:pt x="10922224" y="0"/>
                   </a:lnTo>
                   <a:lnTo>
-                    <a:pt x="10920518" y="0"/>
+                    <a:pt x="10922224" y="0"/>
                   </a:lnTo>
                 </a:path>
               </a:pathLst>
@@ -3681,15 +3681,15 @@
           </p:nvSpPr>
           <p:spPr>
             <a:xfrm>
-              <a:off x="1257292" y="1877752"/>
-              <a:ext cx="0" cy="3812069"/>
+              <a:off x="1255659" y="1877752"/>
+              <a:ext cx="0" cy="3815139"/>
             </a:xfrm>
             <a:custGeom>
               <a:avLst/>
               <a:pathLst>
-                <a:path w="0" h="3812069">
+                <a:path w="0" h="3815139">
                   <a:moveTo>
-                    <a:pt x="0" y="3812069"/>
+                    <a:pt x="0" y="3815139"/>
                   </a:moveTo>
                   <a:lnTo>
                     <a:pt x="0" y="0"/>
@@ -3724,15 +3724,15 @@
           </p:nvSpPr>
           <p:spPr>
             <a:xfrm>
-              <a:off x="3795708" y="1877752"/>
-              <a:ext cx="0" cy="3812069"/>
+              <a:off x="3794472" y="1877752"/>
+              <a:ext cx="0" cy="3815139"/>
             </a:xfrm>
             <a:custGeom>
               <a:avLst/>
               <a:pathLst>
-                <a:path w="0" h="3812069">
+                <a:path w="0" h="3815139">
                   <a:moveTo>
-                    <a:pt x="0" y="3812069"/>
+                    <a:pt x="0" y="3815139"/>
                   </a:moveTo>
                   <a:lnTo>
                     <a:pt x="0" y="0"/>
@@ -3767,15 +3767,15 @@
           </p:nvSpPr>
           <p:spPr>
             <a:xfrm>
-              <a:off x="6334124" y="1877752"/>
-              <a:ext cx="0" cy="3812069"/>
+              <a:off x="6333284" y="1877752"/>
+              <a:ext cx="0" cy="3815139"/>
             </a:xfrm>
             <a:custGeom>
               <a:avLst/>
               <a:pathLst>
-                <a:path w="0" h="3812069">
+                <a:path w="0" h="3815139">
                   <a:moveTo>
-                    <a:pt x="0" y="3812069"/>
+                    <a:pt x="0" y="3815139"/>
                   </a:moveTo>
                   <a:lnTo>
                     <a:pt x="0" y="0"/>
@@ -3810,15 +3810,15 @@
           </p:nvSpPr>
           <p:spPr>
             <a:xfrm>
-              <a:off x="8872540" y="1877752"/>
-              <a:ext cx="0" cy="3812069"/>
+              <a:off x="8872096" y="1877752"/>
+              <a:ext cx="0" cy="3815139"/>
             </a:xfrm>
             <a:custGeom>
               <a:avLst/>
               <a:pathLst>
-                <a:path w="0" h="3812069">
+                <a:path w="0" h="3815139">
                   <a:moveTo>
-                    <a:pt x="0" y="3812069"/>
+                    <a:pt x="0" y="3815139"/>
                   </a:moveTo>
                   <a:lnTo>
                     <a:pt x="0" y="0"/>
@@ -3853,15 +3853,15 @@
           </p:nvSpPr>
           <p:spPr>
             <a:xfrm>
-              <a:off x="11410956" y="1877752"/>
-              <a:ext cx="0" cy="3812069"/>
+              <a:off x="11410908" y="1877752"/>
+              <a:ext cx="0" cy="3815139"/>
             </a:xfrm>
             <a:custGeom>
               <a:avLst/>
               <a:pathLst>
-                <a:path w="0" h="3812069">
+                <a:path w="0" h="3815139">
                   <a:moveTo>
-                    <a:pt x="0" y="3812069"/>
+                    <a:pt x="0" y="3815139"/>
                   </a:moveTo>
                   <a:lnTo>
                     <a:pt x="0" y="0"/>
@@ -3896,21 +3896,21 @@
           </p:nvSpPr>
           <p:spPr>
             <a:xfrm>
-              <a:off x="793905" y="5575533"/>
-              <a:ext cx="10920518" cy="0"/>
+              <a:off x="792199" y="5578511"/>
+              <a:ext cx="10922224" cy="0"/>
             </a:xfrm>
             <a:custGeom>
               <a:avLst/>
               <a:pathLst>
-                <a:path w="10920518" h="0">
+                <a:path w="10922224" h="0">
                   <a:moveTo>
                     <a:pt x="0" y="0"/>
                   </a:moveTo>
                   <a:lnTo>
-                    <a:pt x="10920518" y="0"/>
+                    <a:pt x="10922224" y="0"/>
                   </a:lnTo>
                   <a:lnTo>
-                    <a:pt x="10920518" y="0"/>
+                    <a:pt x="10922224" y="0"/>
                   </a:lnTo>
                 </a:path>
               </a:pathLst>
@@ -3939,21 +3939,21 @@
           </p:nvSpPr>
           <p:spPr>
             <a:xfrm>
-              <a:off x="793905" y="4838189"/>
-              <a:ext cx="10920518" cy="0"/>
+              <a:off x="792199" y="4840573"/>
+              <a:ext cx="10922224" cy="0"/>
             </a:xfrm>
             <a:custGeom>
               <a:avLst/>
               <a:pathLst>
-                <a:path w="10920518" h="0">
+                <a:path w="10922224" h="0">
                   <a:moveTo>
                     <a:pt x="0" y="0"/>
                   </a:moveTo>
                   <a:lnTo>
-                    <a:pt x="10920518" y="0"/>
+                    <a:pt x="10922224" y="0"/>
                   </a:lnTo>
                   <a:lnTo>
-                    <a:pt x="10920518" y="0"/>
+                    <a:pt x="10922224" y="0"/>
                   </a:lnTo>
                 </a:path>
               </a:pathLst>
@@ -3982,21 +3982,21 @@
           </p:nvSpPr>
           <p:spPr>
             <a:xfrm>
-              <a:off x="793905" y="4100845"/>
-              <a:ext cx="10920518" cy="0"/>
+              <a:off x="792199" y="4102635"/>
+              <a:ext cx="10922224" cy="0"/>
             </a:xfrm>
             <a:custGeom>
               <a:avLst/>
               <a:pathLst>
-                <a:path w="10920518" h="0">
+                <a:path w="10922224" h="0">
                   <a:moveTo>
                     <a:pt x="0" y="0"/>
                   </a:moveTo>
                   <a:lnTo>
-                    <a:pt x="10920518" y="0"/>
+                    <a:pt x="10922224" y="0"/>
                   </a:lnTo>
                   <a:lnTo>
-                    <a:pt x="10920518" y="0"/>
+                    <a:pt x="10922224" y="0"/>
                   </a:lnTo>
                 </a:path>
               </a:pathLst>
@@ -4025,21 +4025,21 @@
           </p:nvSpPr>
           <p:spPr>
             <a:xfrm>
-              <a:off x="793905" y="3363500"/>
-              <a:ext cx="10920518" cy="0"/>
+              <a:off x="792199" y="3364697"/>
+              <a:ext cx="10922224" cy="0"/>
             </a:xfrm>
             <a:custGeom>
               <a:avLst/>
               <a:pathLst>
-                <a:path w="10920518" h="0">
+                <a:path w="10922224" h="0">
                   <a:moveTo>
                     <a:pt x="0" y="0"/>
                   </a:moveTo>
                   <a:lnTo>
-                    <a:pt x="10920518" y="0"/>
+                    <a:pt x="10922224" y="0"/>
                   </a:lnTo>
                   <a:lnTo>
-                    <a:pt x="10920518" y="0"/>
+                    <a:pt x="10922224" y="0"/>
                   </a:lnTo>
                 </a:path>
               </a:pathLst>
@@ -4068,21 +4068,21 @@
           </p:nvSpPr>
           <p:spPr>
             <a:xfrm>
-              <a:off x="793905" y="2626156"/>
-              <a:ext cx="10920518" cy="0"/>
+              <a:off x="792199" y="2626759"/>
+              <a:ext cx="10922224" cy="0"/>
             </a:xfrm>
             <a:custGeom>
               <a:avLst/>
               <a:pathLst>
-                <a:path w="10920518" h="0">
+                <a:path w="10922224" h="0">
                   <a:moveTo>
                     <a:pt x="0" y="0"/>
                   </a:moveTo>
                   <a:lnTo>
-                    <a:pt x="10920518" y="0"/>
+                    <a:pt x="10922224" y="0"/>
                   </a:lnTo>
                   <a:lnTo>
-                    <a:pt x="10920518" y="0"/>
+                    <a:pt x="10922224" y="0"/>
                   </a:lnTo>
                 </a:path>
               </a:pathLst>
@@ -4111,21 +4111,21 @@
           </p:nvSpPr>
           <p:spPr>
             <a:xfrm>
-              <a:off x="793905" y="1888812"/>
-              <a:ext cx="10920518" cy="0"/>
+              <a:off x="792199" y="1888821"/>
+              <a:ext cx="10922224" cy="0"/>
             </a:xfrm>
             <a:custGeom>
               <a:avLst/>
               <a:pathLst>
-                <a:path w="10920518" h="0">
+                <a:path w="10922224" h="0">
                   <a:moveTo>
                     <a:pt x="0" y="0"/>
                   </a:moveTo>
                   <a:lnTo>
-                    <a:pt x="10920518" y="0"/>
+                    <a:pt x="10922224" y="0"/>
                   </a:lnTo>
                   <a:lnTo>
-                    <a:pt x="10920518" y="0"/>
+                    <a:pt x="10922224" y="0"/>
                   </a:lnTo>
                 </a:path>
               </a:pathLst>
@@ -4154,15 +4154,15 @@
           </p:nvSpPr>
           <p:spPr>
             <a:xfrm>
-              <a:off x="2526500" y="1877752"/>
-              <a:ext cx="0" cy="3812069"/>
+              <a:off x="2525066" y="1877752"/>
+              <a:ext cx="0" cy="3815139"/>
             </a:xfrm>
             <a:custGeom>
               <a:avLst/>
               <a:pathLst>
-                <a:path w="0" h="3812069">
+                <a:path w="0" h="3815139">
                   <a:moveTo>
-                    <a:pt x="0" y="3812069"/>
+                    <a:pt x="0" y="3815139"/>
                   </a:moveTo>
                   <a:lnTo>
                     <a:pt x="0" y="0"/>
@@ -4197,15 +4197,15 @@
           </p:nvSpPr>
           <p:spPr>
             <a:xfrm>
-              <a:off x="5064916" y="1877752"/>
-              <a:ext cx="0" cy="3812069"/>
+              <a:off x="5063878" y="1877752"/>
+              <a:ext cx="0" cy="3815139"/>
             </a:xfrm>
             <a:custGeom>
               <a:avLst/>
               <a:pathLst>
-                <a:path w="0" h="3812069">
+                <a:path w="0" h="3815139">
                   <a:moveTo>
-                    <a:pt x="0" y="3812069"/>
+                    <a:pt x="0" y="3815139"/>
                   </a:moveTo>
                   <a:lnTo>
                     <a:pt x="0" y="0"/>
@@ -4240,15 +4240,15 @@
           </p:nvSpPr>
           <p:spPr>
             <a:xfrm>
-              <a:off x="7603332" y="1877752"/>
-              <a:ext cx="0" cy="3812069"/>
+              <a:off x="7602690" y="1877752"/>
+              <a:ext cx="0" cy="3815139"/>
             </a:xfrm>
             <a:custGeom>
               <a:avLst/>
               <a:pathLst>
-                <a:path w="0" h="3812069">
+                <a:path w="0" h="3815139">
                   <a:moveTo>
-                    <a:pt x="0" y="3812069"/>
+                    <a:pt x="0" y="3815139"/>
                   </a:moveTo>
                   <a:lnTo>
                     <a:pt x="0" y="0"/>
@@ -4283,15 +4283,15 @@
           </p:nvSpPr>
           <p:spPr>
             <a:xfrm>
-              <a:off x="10141748" y="1877752"/>
-              <a:ext cx="0" cy="3812069"/>
+              <a:off x="10141502" y="1877752"/>
+              <a:ext cx="0" cy="3815139"/>
             </a:xfrm>
             <a:custGeom>
               <a:avLst/>
               <a:pathLst>
-                <a:path w="0" h="3812069">
+                <a:path w="0" h="3815139">
                   <a:moveTo>
-                    <a:pt x="0" y="3812069"/>
+                    <a:pt x="0" y="3815139"/>
                   </a:moveTo>
                   <a:lnTo>
                     <a:pt x="0" y="0"/>
@@ -4326,7 +4326,7 @@
           </p:nvSpPr>
           <p:spPr>
             <a:xfrm>
-              <a:off x="4067243" y="3920301"/>
+              <a:off x="4066054" y="3921972"/>
               <a:ext cx="66150" cy="66150"/>
             </a:xfrm>
             <a:prstGeom prst="ellipse">
@@ -4361,7 +4361,7 @@
           </p:nvSpPr>
           <p:spPr>
             <a:xfrm>
-              <a:off x="4714539" y="3920301"/>
+              <a:off x="4713451" y="3921972"/>
               <a:ext cx="66150" cy="66150"/>
             </a:xfrm>
             <a:prstGeom prst="ellipse">
@@ -4396,7 +4396,7 @@
           </p:nvSpPr>
           <p:spPr>
             <a:xfrm>
-              <a:off x="3305718" y="3654857"/>
+              <a:off x="3304410" y="3656314"/>
               <a:ext cx="66150" cy="66150"/>
             </a:xfrm>
             <a:prstGeom prst="ellipse">
@@ -4431,7 +4431,7 @@
           </p:nvSpPr>
           <p:spPr>
             <a:xfrm>
-              <a:off x="5577601" y="3861313"/>
+              <a:off x="5576647" y="3862937"/>
               <a:ext cx="66150" cy="66150"/>
             </a:xfrm>
             <a:prstGeom prst="ellipse">
@@ -4466,7 +4466,7 @@
           </p:nvSpPr>
           <p:spPr>
             <a:xfrm>
-              <a:off x="6148744" y="4259479"/>
+              <a:off x="6147880" y="4261424"/>
               <a:ext cx="66150" cy="66150"/>
             </a:xfrm>
             <a:prstGeom prst="ellipse">
@@ -4501,7 +4501,7 @@
           </p:nvSpPr>
           <p:spPr>
             <a:xfrm>
-              <a:off x="6199512" y="4347960"/>
+              <a:off x="6198656" y="4349976"/>
               <a:ext cx="66150" cy="66150"/>
             </a:xfrm>
             <a:prstGeom prst="ellipse">
@@ -4536,7 +4536,7 @@
           </p:nvSpPr>
           <p:spPr>
             <a:xfrm>
-              <a:off x="6478738" y="4908342"/>
+              <a:off x="6477926" y="4910809"/>
               <a:ext cx="66150" cy="66150"/>
             </a:xfrm>
             <a:prstGeom prst="ellipse">
@@ -4571,7 +4571,7 @@
           </p:nvSpPr>
           <p:spPr>
             <a:xfrm>
-              <a:off x="5514140" y="3418907"/>
+              <a:off x="5513177" y="3420174"/>
               <a:ext cx="66150" cy="66150"/>
             </a:xfrm>
             <a:prstGeom prst="ellipse">
@@ -4606,7 +4606,7 @@
           </p:nvSpPr>
           <p:spPr>
             <a:xfrm>
-              <a:off x="5412604" y="3654857"/>
+              <a:off x="5411625" y="3656314"/>
               <a:ext cx="66150" cy="66150"/>
             </a:xfrm>
             <a:prstGeom prst="ellipse">
@@ -4641,7 +4641,7 @@
           </p:nvSpPr>
           <p:spPr>
             <a:xfrm>
-              <a:off x="6148744" y="4185745"/>
+              <a:off x="6147880" y="4187630"/>
               <a:ext cx="66150" cy="66150"/>
             </a:xfrm>
             <a:prstGeom prst="ellipse">
@@ -4676,7 +4676,7 @@
           </p:nvSpPr>
           <p:spPr>
             <a:xfrm>
-              <a:off x="6148744" y="4392201"/>
+              <a:off x="6147880" y="4394252"/>
               <a:ext cx="66150" cy="66150"/>
             </a:xfrm>
             <a:prstGeom prst="ellipse">
@@ -4711,7 +4711,7 @@
           </p:nvSpPr>
           <p:spPr>
             <a:xfrm>
-              <a:off x="7747946" y="4598657"/>
+              <a:off x="7747332" y="4600875"/>
               <a:ext cx="66150" cy="66150"/>
             </a:xfrm>
             <a:prstGeom prst="ellipse">
@@ -4746,7 +4746,7 @@
           </p:nvSpPr>
           <p:spPr>
             <a:xfrm>
-              <a:off x="6884885" y="4465935"/>
+              <a:off x="6884136" y="4468046"/>
               <a:ext cx="66150" cy="66150"/>
             </a:xfrm>
             <a:prstGeom prst="ellipse">
@@ -4781,7 +4781,7 @@
           </p:nvSpPr>
           <p:spPr>
             <a:xfrm>
-              <a:off x="7011806" y="4775620"/>
+              <a:off x="7011076" y="4777980"/>
               <a:ext cx="66150" cy="66150"/>
             </a:xfrm>
             <a:prstGeom prst="ellipse">
@@ -4816,7 +4816,7 @@
           </p:nvSpPr>
           <p:spPr>
             <a:xfrm>
-              <a:off x="10743277" y="5483471"/>
+              <a:off x="10743130" y="5486401"/>
               <a:ext cx="66150" cy="66150"/>
             </a:xfrm>
             <a:prstGeom prst="ellipse">
@@ -4851,7 +4851,7 @@
           </p:nvSpPr>
           <p:spPr>
             <a:xfrm>
-              <a:off x="11184961" y="5483471"/>
+              <a:off x="11184884" y="5486401"/>
               <a:ext cx="66150" cy="66150"/>
             </a:xfrm>
             <a:prstGeom prst="ellipse">
@@ -4886,7 +4886,7 @@
           </p:nvSpPr>
           <p:spPr>
             <a:xfrm>
-              <a:off x="10984426" y="4849354"/>
+              <a:off x="10984318" y="4851774"/>
               <a:ext cx="66150" cy="66150"/>
             </a:xfrm>
             <a:prstGeom prst="ellipse">
@@ -4921,7 +4921,7 @@
           </p:nvSpPr>
           <p:spPr>
             <a:xfrm>
-              <a:off x="3001108" y="2239156"/>
+              <a:off x="2999753" y="2239473"/>
               <a:ext cx="66150" cy="66150"/>
             </a:xfrm>
             <a:prstGeom prst="ellipse">
@@ -4956,7 +4956,7 @@
           </p:nvSpPr>
           <p:spPr>
             <a:xfrm>
-              <a:off x="1516135" y="2534093"/>
+              <a:off x="1514548" y="2534649"/>
               <a:ext cx="66150" cy="66150"/>
             </a:xfrm>
             <a:prstGeom prst="ellipse">
@@ -4991,7 +4991,7 @@
           </p:nvSpPr>
           <p:spPr>
             <a:xfrm>
-              <a:off x="2074587" y="2017952"/>
+              <a:off x="2073087" y="2018092"/>
               <a:ext cx="66150" cy="66150"/>
             </a:xfrm>
             <a:prstGeom prst="ellipse">
@@ -5026,7 +5026,7 @@
           </p:nvSpPr>
           <p:spPr>
             <a:xfrm>
-              <a:off x="3673789" y="3846566"/>
+              <a:off x="3672538" y="3848178"/>
               <a:ext cx="66150" cy="66150"/>
             </a:xfrm>
             <a:prstGeom prst="ellipse">
@@ -5061,7 +5061,7 @@
           </p:nvSpPr>
           <p:spPr>
             <a:xfrm>
-              <a:off x="6351817" y="4731379"/>
+              <a:off x="6350985" y="4733704"/>
               <a:ext cx="66150" cy="66150"/>
             </a:xfrm>
             <a:prstGeom prst="ellipse">
@@ -5096,7 +5096,7 @@
           </p:nvSpPr>
           <p:spPr>
             <a:xfrm>
-              <a:off x="6136052" y="4775620"/>
+              <a:off x="6135186" y="4777980"/>
               <a:ext cx="66150" cy="66150"/>
             </a:xfrm>
             <a:prstGeom prst="ellipse">
@@ -5131,7 +5131,7 @@
           </p:nvSpPr>
           <p:spPr>
             <a:xfrm>
-              <a:off x="7164110" y="5055811"/>
+              <a:off x="7163405" y="5058397"/>
               <a:ext cx="66150" cy="66150"/>
             </a:xfrm>
             <a:prstGeom prst="ellipse">
@@ -5166,7 +5166,7 @@
           </p:nvSpPr>
           <p:spPr>
             <a:xfrm>
-              <a:off x="7176803" y="4185745"/>
+              <a:off x="7176099" y="4187630"/>
               <a:ext cx="66150" cy="66150"/>
             </a:xfrm>
             <a:prstGeom prst="ellipse">
@@ -5201,7 +5201,7 @@
           </p:nvSpPr>
           <p:spPr>
             <a:xfrm>
-              <a:off x="2328428" y="2991247"/>
+              <a:off x="2326968" y="2992170"/>
               <a:ext cx="66150" cy="66150"/>
             </a:xfrm>
             <a:prstGeom prst="ellipse">
@@ -5236,7 +5236,7 @@
           </p:nvSpPr>
           <p:spPr>
             <a:xfrm>
-              <a:off x="2848804" y="3182956"/>
+              <a:off x="2847424" y="3184034"/>
               <a:ext cx="66150" cy="66150"/>
             </a:xfrm>
             <a:prstGeom prst="ellipse">
@@ -5271,7 +5271,7 @@
           </p:nvSpPr>
           <p:spPr>
             <a:xfrm>
-              <a:off x="1257217" y="2534093"/>
+              <a:off x="1255589" y="2534649"/>
               <a:ext cx="66150" cy="66150"/>
             </a:xfrm>
             <a:prstGeom prst="ellipse">
@@ -5306,7 +5306,7 @@
           </p:nvSpPr>
           <p:spPr>
             <a:xfrm>
-              <a:off x="5463372" y="4687139"/>
+              <a:off x="5462401" y="4689428"/>
               <a:ext cx="66150" cy="66150"/>
             </a:xfrm>
             <a:prstGeom prst="ellipse">
@@ -5341,7 +5341,7 @@
           </p:nvSpPr>
           <p:spPr>
             <a:xfrm>
-              <a:off x="4448006" y="4112010"/>
+              <a:off x="4446876" y="4113836"/>
               <a:ext cx="66150" cy="66150"/>
             </a:xfrm>
             <a:prstGeom prst="ellipse">
@@ -5376,7 +5376,7 @@
           </p:nvSpPr>
           <p:spPr>
             <a:xfrm>
-              <a:off x="6478738" y="4805114"/>
+              <a:off x="6477926" y="4807498"/>
               <a:ext cx="66150" cy="66150"/>
             </a:xfrm>
             <a:prstGeom prst="ellipse">
@@ -5411,7 +5411,7 @@
           </p:nvSpPr>
           <p:spPr>
             <a:xfrm>
-              <a:off x="4473390" y="3861313"/>
+              <a:off x="4472264" y="3862937"/>
               <a:ext cx="66150" cy="66150"/>
             </a:xfrm>
             <a:prstGeom prst="ellipse">
@@ -5446,8 +5446,8 @@
           </p:nvSpPr>
           <p:spPr>
             <a:xfrm>
-              <a:off x="606963" y="5535342"/>
-              <a:ext cx="124311" cy="80272"/>
+              <a:off x="605258" y="5536819"/>
+              <a:ext cx="124311" cy="81691"/>
             </a:xfrm>
             <a:prstGeom prst="rect">
               <a:avLst/>
@@ -5476,8 +5476,8 @@
                       <a:alpha val="100000"/>
                     </a:srgbClr>
                   </a:solidFill>
-                  <a:latin typeface="Helvetica"/>
-                  <a:cs typeface="Helvetica"/>
+                  <a:latin typeface="Arial"/>
+                  <a:cs typeface="Arial"/>
                 </a:rPr>
                 <a:t>10</a:t>
               </a:r>
@@ -5492,8 +5492,8 @@
           </p:nvSpPr>
           <p:spPr>
             <a:xfrm>
-              <a:off x="606963" y="4798489"/>
-              <a:ext cx="124311" cy="79781"/>
+              <a:off x="605258" y="4798881"/>
+              <a:ext cx="124311" cy="81691"/>
             </a:xfrm>
             <a:prstGeom prst="rect">
               <a:avLst/>
@@ -5522,8 +5522,8 @@
                       <a:alpha val="100000"/>
                     </a:srgbClr>
                   </a:solidFill>
-                  <a:latin typeface="Helvetica"/>
-                  <a:cs typeface="Helvetica"/>
+                  <a:latin typeface="Arial"/>
+                  <a:cs typeface="Arial"/>
                 </a:rPr>
                 <a:t>15</a:t>
               </a:r>
@@ -5538,8 +5538,8 @@
           </p:nvSpPr>
           <p:spPr>
             <a:xfrm>
-              <a:off x="606963" y="4060381"/>
-              <a:ext cx="124311" cy="80545"/>
+              <a:off x="605258" y="4060943"/>
+              <a:ext cx="124311" cy="81691"/>
             </a:xfrm>
             <a:prstGeom prst="rect">
               <a:avLst/>
@@ -5568,8 +5568,8 @@
                       <a:alpha val="100000"/>
                     </a:srgbClr>
                   </a:solidFill>
-                  <a:latin typeface="Helvetica"/>
-                  <a:cs typeface="Helvetica"/>
+                  <a:latin typeface="Arial"/>
+                  <a:cs typeface="Arial"/>
                 </a:rPr>
                 <a:t>20</a:t>
               </a:r>
@@ -5584,8 +5584,8 @@
           </p:nvSpPr>
           <p:spPr>
             <a:xfrm>
-              <a:off x="606963" y="3323200"/>
-              <a:ext cx="124311" cy="80382"/>
+              <a:off x="605258" y="3323005"/>
+              <a:ext cx="124311" cy="81691"/>
             </a:xfrm>
             <a:prstGeom prst="rect">
               <a:avLst/>
@@ -5614,8 +5614,8 @@
                       <a:alpha val="100000"/>
                     </a:srgbClr>
                   </a:solidFill>
-                  <a:latin typeface="Helvetica"/>
-                  <a:cs typeface="Helvetica"/>
+                  <a:latin typeface="Arial"/>
+                  <a:cs typeface="Arial"/>
                 </a:rPr>
                 <a:t>25</a:t>
               </a:r>
@@ -5630,8 +5630,8 @@
           </p:nvSpPr>
           <p:spPr>
             <a:xfrm>
-              <a:off x="606963" y="2585856"/>
-              <a:ext cx="124311" cy="80382"/>
+              <a:off x="605258" y="2585012"/>
+              <a:ext cx="124311" cy="81746"/>
             </a:xfrm>
             <a:prstGeom prst="rect">
               <a:avLst/>
@@ -5660,8 +5660,8 @@
                       <a:alpha val="100000"/>
                     </a:srgbClr>
                   </a:solidFill>
-                  <a:latin typeface="Helvetica"/>
-                  <a:cs typeface="Helvetica"/>
+                  <a:latin typeface="Arial"/>
+                  <a:cs typeface="Arial"/>
                 </a:rPr>
                 <a:t>30</a:t>
               </a:r>
@@ -5676,8 +5676,8 @@
           </p:nvSpPr>
           <p:spPr>
             <a:xfrm>
-              <a:off x="606963" y="1848512"/>
-              <a:ext cx="124311" cy="80382"/>
+              <a:off x="605258" y="1847074"/>
+              <a:ext cx="124311" cy="81746"/>
             </a:xfrm>
             <a:prstGeom prst="rect">
               <a:avLst/>
@@ -5706,8 +5706,8 @@
                       <a:alpha val="100000"/>
                     </a:srgbClr>
                   </a:solidFill>
-                  <a:latin typeface="Helvetica"/>
-                  <a:cs typeface="Helvetica"/>
+                  <a:latin typeface="Arial"/>
+                  <a:cs typeface="Arial"/>
                 </a:rPr>
                 <a:t>35</a:t>
               </a:r>
@@ -5722,7 +5722,7 @@
           </p:nvSpPr>
           <p:spPr>
             <a:xfrm>
-              <a:off x="759110" y="5575533"/>
+              <a:off x="757405" y="5578511"/>
               <a:ext cx="34794" cy="0"/>
             </a:xfrm>
             <a:custGeom>
@@ -5762,7 +5762,7 @@
           </p:nvSpPr>
           <p:spPr>
             <a:xfrm>
-              <a:off x="759110" y="4838189"/>
+              <a:off x="757405" y="4840573"/>
               <a:ext cx="34794" cy="0"/>
             </a:xfrm>
             <a:custGeom>
@@ -5802,7 +5802,7 @@
           </p:nvSpPr>
           <p:spPr>
             <a:xfrm>
-              <a:off x="759110" y="4100845"/>
+              <a:off x="757405" y="4102635"/>
               <a:ext cx="34794" cy="0"/>
             </a:xfrm>
             <a:custGeom>
@@ -5842,7 +5842,7 @@
           </p:nvSpPr>
           <p:spPr>
             <a:xfrm>
-              <a:off x="759110" y="3363500"/>
+              <a:off x="757405" y="3364697"/>
               <a:ext cx="34794" cy="0"/>
             </a:xfrm>
             <a:custGeom>
@@ -5882,7 +5882,7 @@
           </p:nvSpPr>
           <p:spPr>
             <a:xfrm>
-              <a:off x="759110" y="2626156"/>
+              <a:off x="757405" y="2626759"/>
               <a:ext cx="34794" cy="0"/>
             </a:xfrm>
             <a:custGeom>
@@ -5922,7 +5922,7 @@
           </p:nvSpPr>
           <p:spPr>
             <a:xfrm>
-              <a:off x="759110" y="1888812"/>
+              <a:off x="757405" y="1888821"/>
               <a:ext cx="34794" cy="0"/>
             </a:xfrm>
             <a:custGeom>
@@ -5962,7 +5962,7 @@
           </p:nvSpPr>
           <p:spPr>
             <a:xfrm>
-              <a:off x="2526500" y="5689821"/>
+              <a:off x="2525066" y="5692891"/>
               <a:ext cx="0" cy="34794"/>
             </a:xfrm>
             <a:custGeom>
@@ -6002,7 +6002,7 @@
           </p:nvSpPr>
           <p:spPr>
             <a:xfrm>
-              <a:off x="5064916" y="5689821"/>
+              <a:off x="5063878" y="5692891"/>
               <a:ext cx="0" cy="34794"/>
             </a:xfrm>
             <a:custGeom>
@@ -6042,7 +6042,7 @@
           </p:nvSpPr>
           <p:spPr>
             <a:xfrm>
-              <a:off x="7603332" y="5689821"/>
+              <a:off x="7602690" y="5692891"/>
               <a:ext cx="0" cy="34794"/>
             </a:xfrm>
             <a:custGeom>
@@ -6082,7 +6082,7 @@
           </p:nvSpPr>
           <p:spPr>
             <a:xfrm>
-              <a:off x="10141748" y="5689821"/>
+              <a:off x="10141502" y="5692891"/>
               <a:ext cx="0" cy="34794"/>
             </a:xfrm>
             <a:custGeom>
@@ -6122,8 +6122,8 @@
           </p:nvSpPr>
           <p:spPr>
             <a:xfrm>
-              <a:off x="2495423" y="5754198"/>
-              <a:ext cx="62155" cy="78417"/>
+              <a:off x="2493988" y="5755194"/>
+              <a:ext cx="62155" cy="80327"/>
             </a:xfrm>
             <a:prstGeom prst="rect">
               <a:avLst/>
@@ -6152,8 +6152,8 @@
                       <a:alpha val="100000"/>
                     </a:srgbClr>
                   </a:solidFill>
-                  <a:latin typeface="Helvetica"/>
-                  <a:cs typeface="Helvetica"/>
+                  <a:latin typeface="Arial"/>
+                  <a:cs typeface="Arial"/>
                 </a:rPr>
                 <a:t>2</a:t>
               </a:r>
@@ -6168,8 +6168,8 @@
           </p:nvSpPr>
           <p:spPr>
             <a:xfrm>
-              <a:off x="5033838" y="5752233"/>
-              <a:ext cx="62155" cy="80382"/>
+              <a:off x="5032800" y="5753775"/>
+              <a:ext cx="62155" cy="81746"/>
             </a:xfrm>
             <a:prstGeom prst="rect">
               <a:avLst/>
@@ -6198,8 +6198,8 @@
                       <a:alpha val="100000"/>
                     </a:srgbClr>
                   </a:solidFill>
-                  <a:latin typeface="Helvetica"/>
-                  <a:cs typeface="Helvetica"/>
+                  <a:latin typeface="Arial"/>
+                  <a:cs typeface="Arial"/>
                 </a:rPr>
                 <a:t>3</a:t>
               </a:r>
@@ -6214,8 +6214,8 @@
           </p:nvSpPr>
           <p:spPr>
             <a:xfrm>
-              <a:off x="7572254" y="5754252"/>
-              <a:ext cx="62155" cy="78362"/>
+              <a:off x="7571612" y="5755521"/>
+              <a:ext cx="62155" cy="80000"/>
             </a:xfrm>
             <a:prstGeom prst="rect">
               <a:avLst/>
@@ -6244,8 +6244,8 @@
                       <a:alpha val="100000"/>
                     </a:srgbClr>
                   </a:solidFill>
-                  <a:latin typeface="Helvetica"/>
-                  <a:cs typeface="Helvetica"/>
+                  <a:latin typeface="Arial"/>
+                  <a:cs typeface="Arial"/>
                 </a:rPr>
                 <a:t>4</a:t>
               </a:r>
@@ -6260,8 +6260,8 @@
           </p:nvSpPr>
           <p:spPr>
             <a:xfrm>
-              <a:off x="10110670" y="5753816"/>
-              <a:ext cx="62155" cy="78799"/>
+              <a:off x="10110425" y="5755248"/>
+              <a:ext cx="62155" cy="80272"/>
             </a:xfrm>
             <a:prstGeom prst="rect">
               <a:avLst/>
@@ -6290,8 +6290,8 @@
                       <a:alpha val="100000"/>
                     </a:srgbClr>
                   </a:solidFill>
-                  <a:latin typeface="Helvetica"/>
-                  <a:cs typeface="Helvetica"/>
+                  <a:latin typeface="Arial"/>
+                  <a:cs typeface="Arial"/>
                 </a:rPr>
                 <a:t>5</a:t>
               </a:r>
@@ -6306,8 +6306,8 @@
           </p:nvSpPr>
           <p:spPr>
             <a:xfrm>
-              <a:off x="6184314" y="5897724"/>
-              <a:ext cx="139700" cy="94611"/>
+              <a:off x="6183461" y="5895132"/>
+              <a:ext cx="139700" cy="98704"/>
             </a:xfrm>
             <a:prstGeom prst="rect">
               <a:avLst/>
@@ -6336,8 +6336,8 @@
                       <a:alpha val="100000"/>
                     </a:srgbClr>
                   </a:solidFill>
-                  <a:latin typeface="Helvetica"/>
-                  <a:cs typeface="Helvetica"/>
+                  <a:latin typeface="Arial"/>
+                  <a:cs typeface="Arial"/>
                 </a:rPr>
                 <a:t>wt</a:t>
               </a:r>
@@ -6352,8 +6352,8 @@
           </p:nvSpPr>
           <p:spPr>
             <a:xfrm rot="-5400000">
-              <a:off x="352523" y="3730922"/>
-              <a:ext cx="271760" cy="105729"/>
+              <a:off x="353444" y="3733582"/>
+              <a:ext cx="271760" cy="103478"/>
             </a:xfrm>
             <a:prstGeom prst="rect">
               <a:avLst/>
@@ -6382,8 +6382,8 @@
                       <a:alpha val="100000"/>
                     </a:srgbClr>
                   </a:solidFill>
-                  <a:latin typeface="Helvetica"/>
-                  <a:cs typeface="Helvetica"/>
+                  <a:latin typeface="Arial"/>
+                  <a:cs typeface="Arial"/>
                 </a:rPr>
                 <a:t>mpg</a:t>
               </a:r>

--- a/tests/testthat/temp_fullslide.pptx
+++ b/tests/testthat/temp_fullslide.pptx
@@ -509,7 +509,7 @@
             <a:r>
               <a:rPr/>
               <a:t>
-Powerpoint file location: C:\Users\parkinsonn\Documents\grattantheme\tests\testthat\temp_fullslide.pptx</a:t>
+Powerpoint file location: /Users/mbbowes/Documents/GitHub/grattantheme/tests/testthat/temp_fullslide.pptx</a:t>
             </a:r>
           </a:p>
         </p:txBody>
@@ -3440,8 +3440,8 @@
           </p:nvSpPr>
           <p:spPr>
             <a:xfrm>
-              <a:off x="792199" y="1877752"/>
-              <a:ext cx="10922224" cy="3815139"/>
+              <a:off x="793905" y="1877752"/>
+              <a:ext cx="10920518" cy="3812069"/>
             </a:xfrm>
             <a:prstGeom prst="rect">
               <a:avLst/>
@@ -3466,21 +3466,21 @@
           </p:nvSpPr>
           <p:spPr>
             <a:xfrm>
-              <a:off x="792199" y="5209542"/>
-              <a:ext cx="10922224" cy="0"/>
+              <a:off x="793905" y="5206861"/>
+              <a:ext cx="10920518" cy="0"/>
             </a:xfrm>
             <a:custGeom>
               <a:avLst/>
               <a:pathLst>
-                <a:path w="10922224" h="0">
+                <a:path w="10920518" h="0">
                   <a:moveTo>
                     <a:pt x="0" y="0"/>
                   </a:moveTo>
                   <a:lnTo>
-                    <a:pt x="10922224" y="0"/>
+                    <a:pt x="10920518" y="0"/>
                   </a:lnTo>
                   <a:lnTo>
-                    <a:pt x="10922224" y="0"/>
+                    <a:pt x="10920518" y="0"/>
                   </a:lnTo>
                 </a:path>
               </a:pathLst>
@@ -3509,21 +3509,21 @@
           </p:nvSpPr>
           <p:spPr>
             <a:xfrm>
-              <a:off x="792199" y="4471604"/>
-              <a:ext cx="10922224" cy="0"/>
+              <a:off x="793905" y="4469517"/>
+              <a:ext cx="10920518" cy="0"/>
             </a:xfrm>
             <a:custGeom>
               <a:avLst/>
               <a:pathLst>
-                <a:path w="10922224" h="0">
+                <a:path w="10920518" h="0">
                   <a:moveTo>
                     <a:pt x="0" y="0"/>
                   </a:moveTo>
                   <a:lnTo>
-                    <a:pt x="10922224" y="0"/>
+                    <a:pt x="10920518" y="0"/>
                   </a:lnTo>
                   <a:lnTo>
-                    <a:pt x="10922224" y="0"/>
+                    <a:pt x="10920518" y="0"/>
                   </a:lnTo>
                 </a:path>
               </a:pathLst>
@@ -3552,21 +3552,21 @@
           </p:nvSpPr>
           <p:spPr>
             <a:xfrm>
-              <a:off x="792199" y="3733666"/>
-              <a:ext cx="10922224" cy="0"/>
+              <a:off x="793905" y="3732172"/>
+              <a:ext cx="10920518" cy="0"/>
             </a:xfrm>
             <a:custGeom>
               <a:avLst/>
               <a:pathLst>
-                <a:path w="10922224" h="0">
+                <a:path w="10920518" h="0">
                   <a:moveTo>
                     <a:pt x="0" y="0"/>
                   </a:moveTo>
                   <a:lnTo>
-                    <a:pt x="10922224" y="0"/>
+                    <a:pt x="10920518" y="0"/>
                   </a:lnTo>
                   <a:lnTo>
-                    <a:pt x="10922224" y="0"/>
+                    <a:pt x="10920518" y="0"/>
                   </a:lnTo>
                 </a:path>
               </a:pathLst>
@@ -3595,21 +3595,21 @@
           </p:nvSpPr>
           <p:spPr>
             <a:xfrm>
-              <a:off x="792199" y="2995728"/>
-              <a:ext cx="10922224" cy="0"/>
+              <a:off x="793905" y="2994828"/>
+              <a:ext cx="10920518" cy="0"/>
             </a:xfrm>
             <a:custGeom>
               <a:avLst/>
               <a:pathLst>
-                <a:path w="10922224" h="0">
+                <a:path w="10920518" h="0">
                   <a:moveTo>
                     <a:pt x="0" y="0"/>
                   </a:moveTo>
                   <a:lnTo>
-                    <a:pt x="10922224" y="0"/>
+                    <a:pt x="10920518" y="0"/>
                   </a:lnTo>
                   <a:lnTo>
-                    <a:pt x="10922224" y="0"/>
+                    <a:pt x="10920518" y="0"/>
                   </a:lnTo>
                 </a:path>
               </a:pathLst>
@@ -3638,21 +3638,21 @@
           </p:nvSpPr>
           <p:spPr>
             <a:xfrm>
-              <a:off x="792199" y="2257790"/>
-              <a:ext cx="10922224" cy="0"/>
+              <a:off x="793905" y="2257484"/>
+              <a:ext cx="10920518" cy="0"/>
             </a:xfrm>
             <a:custGeom>
               <a:avLst/>
               <a:pathLst>
-                <a:path w="10922224" h="0">
+                <a:path w="10920518" h="0">
                   <a:moveTo>
                     <a:pt x="0" y="0"/>
                   </a:moveTo>
                   <a:lnTo>
-                    <a:pt x="10922224" y="0"/>
+                    <a:pt x="10920518" y="0"/>
                   </a:lnTo>
                   <a:lnTo>
-                    <a:pt x="10922224" y="0"/>
+                    <a:pt x="10920518" y="0"/>
                   </a:lnTo>
                 </a:path>
               </a:pathLst>
@@ -3681,15 +3681,15 @@
           </p:nvSpPr>
           <p:spPr>
             <a:xfrm>
-              <a:off x="1255659" y="1877752"/>
-              <a:ext cx="0" cy="3815139"/>
+              <a:off x="1257292" y="1877752"/>
+              <a:ext cx="0" cy="3812069"/>
             </a:xfrm>
             <a:custGeom>
               <a:avLst/>
               <a:pathLst>
-                <a:path w="0" h="3815139">
+                <a:path w="0" h="3812069">
                   <a:moveTo>
-                    <a:pt x="0" y="3815139"/>
+                    <a:pt x="0" y="3812069"/>
                   </a:moveTo>
                   <a:lnTo>
                     <a:pt x="0" y="0"/>
@@ -3724,15 +3724,15 @@
           </p:nvSpPr>
           <p:spPr>
             <a:xfrm>
-              <a:off x="3794472" y="1877752"/>
-              <a:ext cx="0" cy="3815139"/>
+              <a:off x="3795708" y="1877752"/>
+              <a:ext cx="0" cy="3812069"/>
             </a:xfrm>
             <a:custGeom>
               <a:avLst/>
               <a:pathLst>
-                <a:path w="0" h="3815139">
+                <a:path w="0" h="3812069">
                   <a:moveTo>
-                    <a:pt x="0" y="3815139"/>
+                    <a:pt x="0" y="3812069"/>
                   </a:moveTo>
                   <a:lnTo>
                     <a:pt x="0" y="0"/>
@@ -3767,15 +3767,15 @@
           </p:nvSpPr>
           <p:spPr>
             <a:xfrm>
-              <a:off x="6333284" y="1877752"/>
-              <a:ext cx="0" cy="3815139"/>
+              <a:off x="6334124" y="1877752"/>
+              <a:ext cx="0" cy="3812069"/>
             </a:xfrm>
             <a:custGeom>
               <a:avLst/>
               <a:pathLst>
-                <a:path w="0" h="3815139">
+                <a:path w="0" h="3812069">
                   <a:moveTo>
-                    <a:pt x="0" y="3815139"/>
+                    <a:pt x="0" y="3812069"/>
                   </a:moveTo>
                   <a:lnTo>
                     <a:pt x="0" y="0"/>
@@ -3810,15 +3810,15 @@
           </p:nvSpPr>
           <p:spPr>
             <a:xfrm>
-              <a:off x="8872096" y="1877752"/>
-              <a:ext cx="0" cy="3815139"/>
+              <a:off x="8872540" y="1877752"/>
+              <a:ext cx="0" cy="3812069"/>
             </a:xfrm>
             <a:custGeom>
               <a:avLst/>
               <a:pathLst>
-                <a:path w="0" h="3815139">
+                <a:path w="0" h="3812069">
                   <a:moveTo>
-                    <a:pt x="0" y="3815139"/>
+                    <a:pt x="0" y="3812069"/>
                   </a:moveTo>
                   <a:lnTo>
                     <a:pt x="0" y="0"/>
@@ -3853,15 +3853,15 @@
           </p:nvSpPr>
           <p:spPr>
             <a:xfrm>
-              <a:off x="11410908" y="1877752"/>
-              <a:ext cx="0" cy="3815139"/>
+              <a:off x="11410956" y="1877752"/>
+              <a:ext cx="0" cy="3812069"/>
             </a:xfrm>
             <a:custGeom>
               <a:avLst/>
               <a:pathLst>
-                <a:path w="0" h="3815139">
+                <a:path w="0" h="3812069">
                   <a:moveTo>
-                    <a:pt x="0" y="3815139"/>
+                    <a:pt x="0" y="3812069"/>
                   </a:moveTo>
                   <a:lnTo>
                     <a:pt x="0" y="0"/>
@@ -3896,21 +3896,21 @@
           </p:nvSpPr>
           <p:spPr>
             <a:xfrm>
-              <a:off x="792199" y="5578511"/>
-              <a:ext cx="10922224" cy="0"/>
+              <a:off x="793905" y="5575533"/>
+              <a:ext cx="10920518" cy="0"/>
             </a:xfrm>
             <a:custGeom>
               <a:avLst/>
               <a:pathLst>
-                <a:path w="10922224" h="0">
+                <a:path w="10920518" h="0">
                   <a:moveTo>
                     <a:pt x="0" y="0"/>
                   </a:moveTo>
                   <a:lnTo>
-                    <a:pt x="10922224" y="0"/>
+                    <a:pt x="10920518" y="0"/>
                   </a:lnTo>
                   <a:lnTo>
-                    <a:pt x="10922224" y="0"/>
+                    <a:pt x="10920518" y="0"/>
                   </a:lnTo>
                 </a:path>
               </a:pathLst>
@@ -3939,21 +3939,21 @@
           </p:nvSpPr>
           <p:spPr>
             <a:xfrm>
-              <a:off x="792199" y="4840573"/>
-              <a:ext cx="10922224" cy="0"/>
+              <a:off x="793905" y="4838189"/>
+              <a:ext cx="10920518" cy="0"/>
             </a:xfrm>
             <a:custGeom>
               <a:avLst/>
               <a:pathLst>
-                <a:path w="10922224" h="0">
+                <a:path w="10920518" h="0">
                   <a:moveTo>
                     <a:pt x="0" y="0"/>
                   </a:moveTo>
                   <a:lnTo>
-                    <a:pt x="10922224" y="0"/>
+                    <a:pt x="10920518" y="0"/>
                   </a:lnTo>
                   <a:lnTo>
-                    <a:pt x="10922224" y="0"/>
+                    <a:pt x="10920518" y="0"/>
                   </a:lnTo>
                 </a:path>
               </a:pathLst>
@@ -3982,21 +3982,21 @@
           </p:nvSpPr>
           <p:spPr>
             <a:xfrm>
-              <a:off x="792199" y="4102635"/>
-              <a:ext cx="10922224" cy="0"/>
+              <a:off x="793905" y="4100845"/>
+              <a:ext cx="10920518" cy="0"/>
             </a:xfrm>
             <a:custGeom>
               <a:avLst/>
               <a:pathLst>
-                <a:path w="10922224" h="0">
+                <a:path w="10920518" h="0">
                   <a:moveTo>
                     <a:pt x="0" y="0"/>
                   </a:moveTo>
                   <a:lnTo>
-                    <a:pt x="10922224" y="0"/>
+                    <a:pt x="10920518" y="0"/>
                   </a:lnTo>
                   <a:lnTo>
-                    <a:pt x="10922224" y="0"/>
+                    <a:pt x="10920518" y="0"/>
                   </a:lnTo>
                 </a:path>
               </a:pathLst>
@@ -4025,21 +4025,21 @@
           </p:nvSpPr>
           <p:spPr>
             <a:xfrm>
-              <a:off x="792199" y="3364697"/>
-              <a:ext cx="10922224" cy="0"/>
+              <a:off x="793905" y="3363500"/>
+              <a:ext cx="10920518" cy="0"/>
             </a:xfrm>
             <a:custGeom>
               <a:avLst/>
               <a:pathLst>
-                <a:path w="10922224" h="0">
+                <a:path w="10920518" h="0">
                   <a:moveTo>
                     <a:pt x="0" y="0"/>
                   </a:moveTo>
                   <a:lnTo>
-                    <a:pt x="10922224" y="0"/>
+                    <a:pt x="10920518" y="0"/>
                   </a:lnTo>
                   <a:lnTo>
-                    <a:pt x="10922224" y="0"/>
+                    <a:pt x="10920518" y="0"/>
                   </a:lnTo>
                 </a:path>
               </a:pathLst>
@@ -4068,21 +4068,21 @@
           </p:nvSpPr>
           <p:spPr>
             <a:xfrm>
-              <a:off x="792199" y="2626759"/>
-              <a:ext cx="10922224" cy="0"/>
+              <a:off x="793905" y="2626156"/>
+              <a:ext cx="10920518" cy="0"/>
             </a:xfrm>
             <a:custGeom>
               <a:avLst/>
               <a:pathLst>
-                <a:path w="10922224" h="0">
+                <a:path w="10920518" h="0">
                   <a:moveTo>
                     <a:pt x="0" y="0"/>
                   </a:moveTo>
                   <a:lnTo>
-                    <a:pt x="10922224" y="0"/>
+                    <a:pt x="10920518" y="0"/>
                   </a:lnTo>
                   <a:lnTo>
-                    <a:pt x="10922224" y="0"/>
+                    <a:pt x="10920518" y="0"/>
                   </a:lnTo>
                 </a:path>
               </a:pathLst>
@@ -4111,21 +4111,21 @@
           </p:nvSpPr>
           <p:spPr>
             <a:xfrm>
-              <a:off x="792199" y="1888821"/>
-              <a:ext cx="10922224" cy="0"/>
+              <a:off x="793905" y="1888812"/>
+              <a:ext cx="10920518" cy="0"/>
             </a:xfrm>
             <a:custGeom>
               <a:avLst/>
               <a:pathLst>
-                <a:path w="10922224" h="0">
+                <a:path w="10920518" h="0">
                   <a:moveTo>
                     <a:pt x="0" y="0"/>
                   </a:moveTo>
                   <a:lnTo>
-                    <a:pt x="10922224" y="0"/>
+                    <a:pt x="10920518" y="0"/>
                   </a:lnTo>
                   <a:lnTo>
-                    <a:pt x="10922224" y="0"/>
+                    <a:pt x="10920518" y="0"/>
                   </a:lnTo>
                 </a:path>
               </a:pathLst>
@@ -4154,15 +4154,15 @@
           </p:nvSpPr>
           <p:spPr>
             <a:xfrm>
-              <a:off x="2525066" y="1877752"/>
-              <a:ext cx="0" cy="3815139"/>
+              <a:off x="2526500" y="1877752"/>
+              <a:ext cx="0" cy="3812069"/>
             </a:xfrm>
             <a:custGeom>
               <a:avLst/>
               <a:pathLst>
-                <a:path w="0" h="3815139">
+                <a:path w="0" h="3812069">
                   <a:moveTo>
-                    <a:pt x="0" y="3815139"/>
+                    <a:pt x="0" y="3812069"/>
                   </a:moveTo>
                   <a:lnTo>
                     <a:pt x="0" y="0"/>
@@ -4197,15 +4197,15 @@
           </p:nvSpPr>
           <p:spPr>
             <a:xfrm>
-              <a:off x="5063878" y="1877752"/>
-              <a:ext cx="0" cy="3815139"/>
+              <a:off x="5064916" y="1877752"/>
+              <a:ext cx="0" cy="3812069"/>
             </a:xfrm>
             <a:custGeom>
               <a:avLst/>
               <a:pathLst>
-                <a:path w="0" h="3815139">
+                <a:path w="0" h="3812069">
                   <a:moveTo>
-                    <a:pt x="0" y="3815139"/>
+                    <a:pt x="0" y="3812069"/>
                   </a:moveTo>
                   <a:lnTo>
                     <a:pt x="0" y="0"/>
@@ -4240,15 +4240,15 @@
           </p:nvSpPr>
           <p:spPr>
             <a:xfrm>
-              <a:off x="7602690" y="1877752"/>
-              <a:ext cx="0" cy="3815139"/>
+              <a:off x="7603332" y="1877752"/>
+              <a:ext cx="0" cy="3812069"/>
             </a:xfrm>
             <a:custGeom>
               <a:avLst/>
               <a:pathLst>
-                <a:path w="0" h="3815139">
+                <a:path w="0" h="3812069">
                   <a:moveTo>
-                    <a:pt x="0" y="3815139"/>
+                    <a:pt x="0" y="3812069"/>
                   </a:moveTo>
                   <a:lnTo>
                     <a:pt x="0" y="0"/>
@@ -4283,15 +4283,15 @@
           </p:nvSpPr>
           <p:spPr>
             <a:xfrm>
-              <a:off x="10141502" y="1877752"/>
-              <a:ext cx="0" cy="3815139"/>
+              <a:off x="10141748" y="1877752"/>
+              <a:ext cx="0" cy="3812069"/>
             </a:xfrm>
             <a:custGeom>
               <a:avLst/>
               <a:pathLst>
-                <a:path w="0" h="3815139">
+                <a:path w="0" h="3812069">
                   <a:moveTo>
-                    <a:pt x="0" y="3815139"/>
+                    <a:pt x="0" y="3812069"/>
                   </a:moveTo>
                   <a:lnTo>
                     <a:pt x="0" y="0"/>
@@ -4326,7 +4326,7 @@
           </p:nvSpPr>
           <p:spPr>
             <a:xfrm>
-              <a:off x="4066054" y="3921972"/>
+              <a:off x="4067243" y="3920301"/>
               <a:ext cx="66150" cy="66150"/>
             </a:xfrm>
             <a:prstGeom prst="ellipse">
@@ -4361,7 +4361,7 @@
           </p:nvSpPr>
           <p:spPr>
             <a:xfrm>
-              <a:off x="4713451" y="3921972"/>
+              <a:off x="4714539" y="3920301"/>
               <a:ext cx="66150" cy="66150"/>
             </a:xfrm>
             <a:prstGeom prst="ellipse">
@@ -4396,7 +4396,7 @@
           </p:nvSpPr>
           <p:spPr>
             <a:xfrm>
-              <a:off x="3304410" y="3656314"/>
+              <a:off x="3305718" y="3654857"/>
               <a:ext cx="66150" cy="66150"/>
             </a:xfrm>
             <a:prstGeom prst="ellipse">
@@ -4431,7 +4431,7 @@
           </p:nvSpPr>
           <p:spPr>
             <a:xfrm>
-              <a:off x="5576647" y="3862937"/>
+              <a:off x="5577601" y="3861313"/>
               <a:ext cx="66150" cy="66150"/>
             </a:xfrm>
             <a:prstGeom prst="ellipse">
@@ -4466,7 +4466,7 @@
           </p:nvSpPr>
           <p:spPr>
             <a:xfrm>
-              <a:off x="6147880" y="4261424"/>
+              <a:off x="6148744" y="4259479"/>
               <a:ext cx="66150" cy="66150"/>
             </a:xfrm>
             <a:prstGeom prst="ellipse">
@@ -4501,7 +4501,7 @@
           </p:nvSpPr>
           <p:spPr>
             <a:xfrm>
-              <a:off x="6198656" y="4349976"/>
+              <a:off x="6199512" y="4347960"/>
               <a:ext cx="66150" cy="66150"/>
             </a:xfrm>
             <a:prstGeom prst="ellipse">
@@ -4536,7 +4536,7 @@
           </p:nvSpPr>
           <p:spPr>
             <a:xfrm>
-              <a:off x="6477926" y="4910809"/>
+              <a:off x="6478738" y="4908342"/>
               <a:ext cx="66150" cy="66150"/>
             </a:xfrm>
             <a:prstGeom prst="ellipse">
@@ -4571,7 +4571,7 @@
           </p:nvSpPr>
           <p:spPr>
             <a:xfrm>
-              <a:off x="5513177" y="3420174"/>
+              <a:off x="5514140" y="3418907"/>
               <a:ext cx="66150" cy="66150"/>
             </a:xfrm>
             <a:prstGeom prst="ellipse">
@@ -4606,7 +4606,7 @@
           </p:nvSpPr>
           <p:spPr>
             <a:xfrm>
-              <a:off x="5411625" y="3656314"/>
+              <a:off x="5412604" y="3654857"/>
               <a:ext cx="66150" cy="66150"/>
             </a:xfrm>
             <a:prstGeom prst="ellipse">
@@ -4641,7 +4641,7 @@
           </p:nvSpPr>
           <p:spPr>
             <a:xfrm>
-              <a:off x="6147880" y="4187630"/>
+              <a:off x="6148744" y="4185745"/>
               <a:ext cx="66150" cy="66150"/>
             </a:xfrm>
             <a:prstGeom prst="ellipse">
@@ -4676,7 +4676,7 @@
           </p:nvSpPr>
           <p:spPr>
             <a:xfrm>
-              <a:off x="6147880" y="4394252"/>
+              <a:off x="6148744" y="4392201"/>
               <a:ext cx="66150" cy="66150"/>
             </a:xfrm>
             <a:prstGeom prst="ellipse">
@@ -4711,7 +4711,7 @@
           </p:nvSpPr>
           <p:spPr>
             <a:xfrm>
-              <a:off x="7747332" y="4600875"/>
+              <a:off x="7747946" y="4598657"/>
               <a:ext cx="66150" cy="66150"/>
             </a:xfrm>
             <a:prstGeom prst="ellipse">
@@ -4746,7 +4746,7 @@
           </p:nvSpPr>
           <p:spPr>
             <a:xfrm>
-              <a:off x="6884136" y="4468046"/>
+              <a:off x="6884885" y="4465935"/>
               <a:ext cx="66150" cy="66150"/>
             </a:xfrm>
             <a:prstGeom prst="ellipse">
@@ -4781,7 +4781,7 @@
           </p:nvSpPr>
           <p:spPr>
             <a:xfrm>
-              <a:off x="7011076" y="4777980"/>
+              <a:off x="7011806" y="4775620"/>
               <a:ext cx="66150" cy="66150"/>
             </a:xfrm>
             <a:prstGeom prst="ellipse">
@@ -4816,7 +4816,7 @@
           </p:nvSpPr>
           <p:spPr>
             <a:xfrm>
-              <a:off x="10743130" y="5486401"/>
+              <a:off x="10743277" y="5483471"/>
               <a:ext cx="66150" cy="66150"/>
             </a:xfrm>
             <a:prstGeom prst="ellipse">
@@ -4851,7 +4851,7 @@
           </p:nvSpPr>
           <p:spPr>
             <a:xfrm>
-              <a:off x="11184884" y="5486401"/>
+              <a:off x="11184961" y="5483471"/>
               <a:ext cx="66150" cy="66150"/>
             </a:xfrm>
             <a:prstGeom prst="ellipse">
@@ -4886,7 +4886,7 @@
           </p:nvSpPr>
           <p:spPr>
             <a:xfrm>
-              <a:off x="10984318" y="4851774"/>
+              <a:off x="10984426" y="4849354"/>
               <a:ext cx="66150" cy="66150"/>
             </a:xfrm>
             <a:prstGeom prst="ellipse">
@@ -4921,7 +4921,7 @@
           </p:nvSpPr>
           <p:spPr>
             <a:xfrm>
-              <a:off x="2999753" y="2239473"/>
+              <a:off x="3001108" y="2239156"/>
               <a:ext cx="66150" cy="66150"/>
             </a:xfrm>
             <a:prstGeom prst="ellipse">
@@ -4956,7 +4956,7 @@
           </p:nvSpPr>
           <p:spPr>
             <a:xfrm>
-              <a:off x="1514548" y="2534649"/>
+              <a:off x="1516135" y="2534093"/>
               <a:ext cx="66150" cy="66150"/>
             </a:xfrm>
             <a:prstGeom prst="ellipse">
@@ -4991,7 +4991,7 @@
           </p:nvSpPr>
           <p:spPr>
             <a:xfrm>
-              <a:off x="2073087" y="2018092"/>
+              <a:off x="2074587" y="2017952"/>
               <a:ext cx="66150" cy="66150"/>
             </a:xfrm>
             <a:prstGeom prst="ellipse">
@@ -5026,7 +5026,7 @@
           </p:nvSpPr>
           <p:spPr>
             <a:xfrm>
-              <a:off x="3672538" y="3848178"/>
+              <a:off x="3673789" y="3846566"/>
               <a:ext cx="66150" cy="66150"/>
             </a:xfrm>
             <a:prstGeom prst="ellipse">
@@ -5061,7 +5061,7 @@
           </p:nvSpPr>
           <p:spPr>
             <a:xfrm>
-              <a:off x="6350985" y="4733704"/>
+              <a:off x="6351817" y="4731379"/>
               <a:ext cx="66150" cy="66150"/>
             </a:xfrm>
             <a:prstGeom prst="ellipse">
@@ -5096,7 +5096,7 @@
           </p:nvSpPr>
           <p:spPr>
             <a:xfrm>
-              <a:off x="6135186" y="4777980"/>
+              <a:off x="6136052" y="4775620"/>
               <a:ext cx="66150" cy="66150"/>
             </a:xfrm>
             <a:prstGeom prst="ellipse">
@@ -5131,7 +5131,7 @@
           </p:nvSpPr>
           <p:spPr>
             <a:xfrm>
-              <a:off x="7163405" y="5058397"/>
+              <a:off x="7164110" y="5055811"/>
               <a:ext cx="66150" cy="66150"/>
             </a:xfrm>
             <a:prstGeom prst="ellipse">
@@ -5166,7 +5166,7 @@
           </p:nvSpPr>
           <p:spPr>
             <a:xfrm>
-              <a:off x="7176099" y="4187630"/>
+              <a:off x="7176803" y="4185745"/>
               <a:ext cx="66150" cy="66150"/>
             </a:xfrm>
             <a:prstGeom prst="ellipse">
@@ -5201,7 +5201,7 @@
           </p:nvSpPr>
           <p:spPr>
             <a:xfrm>
-              <a:off x="2326968" y="2992170"/>
+              <a:off x="2328428" y="2991247"/>
               <a:ext cx="66150" cy="66150"/>
             </a:xfrm>
             <a:prstGeom prst="ellipse">
@@ -5236,7 +5236,7 @@
           </p:nvSpPr>
           <p:spPr>
             <a:xfrm>
-              <a:off x="2847424" y="3184034"/>
+              <a:off x="2848804" y="3182956"/>
               <a:ext cx="66150" cy="66150"/>
             </a:xfrm>
             <a:prstGeom prst="ellipse">
@@ -5271,7 +5271,7 @@
           </p:nvSpPr>
           <p:spPr>
             <a:xfrm>
-              <a:off x="1255589" y="2534649"/>
+              <a:off x="1257217" y="2534093"/>
               <a:ext cx="66150" cy="66150"/>
             </a:xfrm>
             <a:prstGeom prst="ellipse">
@@ -5306,7 +5306,7 @@
           </p:nvSpPr>
           <p:spPr>
             <a:xfrm>
-              <a:off x="5462401" y="4689428"/>
+              <a:off x="5463372" y="4687139"/>
               <a:ext cx="66150" cy="66150"/>
             </a:xfrm>
             <a:prstGeom prst="ellipse">
@@ -5341,7 +5341,7 @@
           </p:nvSpPr>
           <p:spPr>
             <a:xfrm>
-              <a:off x="4446876" y="4113836"/>
+              <a:off x="4448006" y="4112010"/>
               <a:ext cx="66150" cy="66150"/>
             </a:xfrm>
             <a:prstGeom prst="ellipse">
@@ -5376,7 +5376,7 @@
           </p:nvSpPr>
           <p:spPr>
             <a:xfrm>
-              <a:off x="6477926" y="4807498"/>
+              <a:off x="6478738" y="4805114"/>
               <a:ext cx="66150" cy="66150"/>
             </a:xfrm>
             <a:prstGeom prst="ellipse">
@@ -5411,7 +5411,7 @@
           </p:nvSpPr>
           <p:spPr>
             <a:xfrm>
-              <a:off x="4472264" y="3862937"/>
+              <a:off x="4473390" y="3861313"/>
               <a:ext cx="66150" cy="66150"/>
             </a:xfrm>
             <a:prstGeom prst="ellipse">
@@ -5446,8 +5446,8 @@
           </p:nvSpPr>
           <p:spPr>
             <a:xfrm>
-              <a:off x="605258" y="5536819"/>
-              <a:ext cx="124311" cy="81691"/>
+              <a:off x="606963" y="5535342"/>
+              <a:ext cx="124311" cy="80272"/>
             </a:xfrm>
             <a:prstGeom prst="rect">
               <a:avLst/>
@@ -5476,8 +5476,8 @@
                       <a:alpha val="100000"/>
                     </a:srgbClr>
                   </a:solidFill>
-                  <a:latin typeface="Arial"/>
-                  <a:cs typeface="Arial"/>
+                  <a:latin typeface="Helvetica"/>
+                  <a:cs typeface="Helvetica"/>
                 </a:rPr>
                 <a:t>10</a:t>
               </a:r>
@@ -5492,8 +5492,8 @@
           </p:nvSpPr>
           <p:spPr>
             <a:xfrm>
-              <a:off x="605258" y="4798881"/>
-              <a:ext cx="124311" cy="81691"/>
+              <a:off x="606963" y="4798489"/>
+              <a:ext cx="124311" cy="79781"/>
             </a:xfrm>
             <a:prstGeom prst="rect">
               <a:avLst/>
@@ -5522,8 +5522,8 @@
                       <a:alpha val="100000"/>
                     </a:srgbClr>
                   </a:solidFill>
-                  <a:latin typeface="Arial"/>
-                  <a:cs typeface="Arial"/>
+                  <a:latin typeface="Helvetica"/>
+                  <a:cs typeface="Helvetica"/>
                 </a:rPr>
                 <a:t>15</a:t>
               </a:r>
@@ -5538,8 +5538,8 @@
           </p:nvSpPr>
           <p:spPr>
             <a:xfrm>
-              <a:off x="605258" y="4060943"/>
-              <a:ext cx="124311" cy="81691"/>
+              <a:off x="606963" y="4060381"/>
+              <a:ext cx="124311" cy="80545"/>
             </a:xfrm>
             <a:prstGeom prst="rect">
               <a:avLst/>
@@ -5568,8 +5568,8 @@
                       <a:alpha val="100000"/>
                     </a:srgbClr>
                   </a:solidFill>
-                  <a:latin typeface="Arial"/>
-                  <a:cs typeface="Arial"/>
+                  <a:latin typeface="Helvetica"/>
+                  <a:cs typeface="Helvetica"/>
                 </a:rPr>
                 <a:t>20</a:t>
               </a:r>
@@ -5584,8 +5584,8 @@
           </p:nvSpPr>
           <p:spPr>
             <a:xfrm>
-              <a:off x="605258" y="3323005"/>
-              <a:ext cx="124311" cy="81691"/>
+              <a:off x="606963" y="3323200"/>
+              <a:ext cx="124311" cy="80382"/>
             </a:xfrm>
             <a:prstGeom prst="rect">
               <a:avLst/>
@@ -5614,8 +5614,8 @@
                       <a:alpha val="100000"/>
                     </a:srgbClr>
                   </a:solidFill>
-                  <a:latin typeface="Arial"/>
-                  <a:cs typeface="Arial"/>
+                  <a:latin typeface="Helvetica"/>
+                  <a:cs typeface="Helvetica"/>
                 </a:rPr>
                 <a:t>25</a:t>
               </a:r>
@@ -5630,8 +5630,8 @@
           </p:nvSpPr>
           <p:spPr>
             <a:xfrm>
-              <a:off x="605258" y="2585012"/>
-              <a:ext cx="124311" cy="81746"/>
+              <a:off x="606963" y="2585856"/>
+              <a:ext cx="124311" cy="80382"/>
             </a:xfrm>
             <a:prstGeom prst="rect">
               <a:avLst/>
@@ -5660,8 +5660,8 @@
                       <a:alpha val="100000"/>
                     </a:srgbClr>
                   </a:solidFill>
-                  <a:latin typeface="Arial"/>
-                  <a:cs typeface="Arial"/>
+                  <a:latin typeface="Helvetica"/>
+                  <a:cs typeface="Helvetica"/>
                 </a:rPr>
                 <a:t>30</a:t>
               </a:r>
@@ -5676,8 +5676,8 @@
           </p:nvSpPr>
           <p:spPr>
             <a:xfrm>
-              <a:off x="605258" y="1847074"/>
-              <a:ext cx="124311" cy="81746"/>
+              <a:off x="606963" y="1848512"/>
+              <a:ext cx="124311" cy="80382"/>
             </a:xfrm>
             <a:prstGeom prst="rect">
               <a:avLst/>
@@ -5706,8 +5706,8 @@
                       <a:alpha val="100000"/>
                     </a:srgbClr>
                   </a:solidFill>
-                  <a:latin typeface="Arial"/>
-                  <a:cs typeface="Arial"/>
+                  <a:latin typeface="Helvetica"/>
+                  <a:cs typeface="Helvetica"/>
                 </a:rPr>
                 <a:t>35</a:t>
               </a:r>
@@ -5722,7 +5722,7 @@
           </p:nvSpPr>
           <p:spPr>
             <a:xfrm>
-              <a:off x="757405" y="5578511"/>
+              <a:off x="759110" y="5575533"/>
               <a:ext cx="34794" cy="0"/>
             </a:xfrm>
             <a:custGeom>
@@ -5762,7 +5762,7 @@
           </p:nvSpPr>
           <p:spPr>
             <a:xfrm>
-              <a:off x="757405" y="4840573"/>
+              <a:off x="759110" y="4838189"/>
               <a:ext cx="34794" cy="0"/>
             </a:xfrm>
             <a:custGeom>
@@ -5802,7 +5802,7 @@
           </p:nvSpPr>
           <p:spPr>
             <a:xfrm>
-              <a:off x="757405" y="4102635"/>
+              <a:off x="759110" y="4100845"/>
               <a:ext cx="34794" cy="0"/>
             </a:xfrm>
             <a:custGeom>
@@ -5842,7 +5842,7 @@
           </p:nvSpPr>
           <p:spPr>
             <a:xfrm>
-              <a:off x="757405" y="3364697"/>
+              <a:off x="759110" y="3363500"/>
               <a:ext cx="34794" cy="0"/>
             </a:xfrm>
             <a:custGeom>
@@ -5882,7 +5882,7 @@
           </p:nvSpPr>
           <p:spPr>
             <a:xfrm>
-              <a:off x="757405" y="2626759"/>
+              <a:off x="759110" y="2626156"/>
               <a:ext cx="34794" cy="0"/>
             </a:xfrm>
             <a:custGeom>
@@ -5922,7 +5922,7 @@
           </p:nvSpPr>
           <p:spPr>
             <a:xfrm>
-              <a:off x="757405" y="1888821"/>
+              <a:off x="759110" y="1888812"/>
               <a:ext cx="34794" cy="0"/>
             </a:xfrm>
             <a:custGeom>
@@ -5962,7 +5962,7 @@
           </p:nvSpPr>
           <p:spPr>
             <a:xfrm>
-              <a:off x="2525066" y="5692891"/>
+              <a:off x="2526500" y="5689821"/>
               <a:ext cx="0" cy="34794"/>
             </a:xfrm>
             <a:custGeom>
@@ -6002,7 +6002,7 @@
           </p:nvSpPr>
           <p:spPr>
             <a:xfrm>
-              <a:off x="5063878" y="5692891"/>
+              <a:off x="5064916" y="5689821"/>
               <a:ext cx="0" cy="34794"/>
             </a:xfrm>
             <a:custGeom>
@@ -6042,7 +6042,7 @@
           </p:nvSpPr>
           <p:spPr>
             <a:xfrm>
-              <a:off x="7602690" y="5692891"/>
+              <a:off x="7603332" y="5689821"/>
               <a:ext cx="0" cy="34794"/>
             </a:xfrm>
             <a:custGeom>
@@ -6082,7 +6082,7 @@
           </p:nvSpPr>
           <p:spPr>
             <a:xfrm>
-              <a:off x="10141502" y="5692891"/>
+              <a:off x="10141748" y="5689821"/>
               <a:ext cx="0" cy="34794"/>
             </a:xfrm>
             <a:custGeom>
@@ -6122,8 +6122,8 @@
           </p:nvSpPr>
           <p:spPr>
             <a:xfrm>
-              <a:off x="2493988" y="5755194"/>
-              <a:ext cx="62155" cy="80327"/>
+              <a:off x="2495423" y="5754198"/>
+              <a:ext cx="62155" cy="78417"/>
             </a:xfrm>
             <a:prstGeom prst="rect">
               <a:avLst/>
@@ -6152,8 +6152,8 @@
                       <a:alpha val="100000"/>
                     </a:srgbClr>
                   </a:solidFill>
-                  <a:latin typeface="Arial"/>
-                  <a:cs typeface="Arial"/>
+                  <a:latin typeface="Helvetica"/>
+                  <a:cs typeface="Helvetica"/>
                 </a:rPr>
                 <a:t>2</a:t>
               </a:r>
@@ -6168,8 +6168,8 @@
           </p:nvSpPr>
           <p:spPr>
             <a:xfrm>
-              <a:off x="5032800" y="5753775"/>
-              <a:ext cx="62155" cy="81746"/>
+              <a:off x="5033838" y="5752233"/>
+              <a:ext cx="62155" cy="80382"/>
             </a:xfrm>
             <a:prstGeom prst="rect">
               <a:avLst/>
@@ -6198,8 +6198,8 @@
                       <a:alpha val="100000"/>
                     </a:srgbClr>
                   </a:solidFill>
-                  <a:latin typeface="Arial"/>
-                  <a:cs typeface="Arial"/>
+                  <a:latin typeface="Helvetica"/>
+                  <a:cs typeface="Helvetica"/>
                 </a:rPr>
                 <a:t>3</a:t>
               </a:r>
@@ -6214,8 +6214,8 @@
           </p:nvSpPr>
           <p:spPr>
             <a:xfrm>
-              <a:off x="7571612" y="5755521"/>
-              <a:ext cx="62155" cy="80000"/>
+              <a:off x="7572254" y="5754252"/>
+              <a:ext cx="62155" cy="78362"/>
             </a:xfrm>
             <a:prstGeom prst="rect">
               <a:avLst/>
@@ -6244,8 +6244,8 @@
                       <a:alpha val="100000"/>
                     </a:srgbClr>
                   </a:solidFill>
-                  <a:latin typeface="Arial"/>
-                  <a:cs typeface="Arial"/>
+                  <a:latin typeface="Helvetica"/>
+                  <a:cs typeface="Helvetica"/>
                 </a:rPr>
                 <a:t>4</a:t>
               </a:r>
@@ -6260,8 +6260,8 @@
           </p:nvSpPr>
           <p:spPr>
             <a:xfrm>
-              <a:off x="10110425" y="5755248"/>
-              <a:ext cx="62155" cy="80272"/>
+              <a:off x="10110670" y="5753816"/>
+              <a:ext cx="62155" cy="78799"/>
             </a:xfrm>
             <a:prstGeom prst="rect">
               <a:avLst/>
@@ -6290,8 +6290,8 @@
                       <a:alpha val="100000"/>
                     </a:srgbClr>
                   </a:solidFill>
-                  <a:latin typeface="Arial"/>
-                  <a:cs typeface="Arial"/>
+                  <a:latin typeface="Helvetica"/>
+                  <a:cs typeface="Helvetica"/>
                 </a:rPr>
                 <a:t>5</a:t>
               </a:r>
@@ -6306,8 +6306,8 @@
           </p:nvSpPr>
           <p:spPr>
             <a:xfrm>
-              <a:off x="6183461" y="5895132"/>
-              <a:ext cx="139700" cy="98704"/>
+              <a:off x="6184314" y="5897724"/>
+              <a:ext cx="139700" cy="94611"/>
             </a:xfrm>
             <a:prstGeom prst="rect">
               <a:avLst/>
@@ -6336,8 +6336,8 @@
                       <a:alpha val="100000"/>
                     </a:srgbClr>
                   </a:solidFill>
-                  <a:latin typeface="Arial"/>
-                  <a:cs typeface="Arial"/>
+                  <a:latin typeface="Helvetica"/>
+                  <a:cs typeface="Helvetica"/>
                 </a:rPr>
                 <a:t>wt</a:t>
               </a:r>
@@ -6352,8 +6352,8 @@
           </p:nvSpPr>
           <p:spPr>
             <a:xfrm rot="-5400000">
-              <a:off x="353444" y="3733582"/>
-              <a:ext cx="271760" cy="103478"/>
+              <a:off x="352523" y="3730922"/>
+              <a:ext cx="271760" cy="105729"/>
             </a:xfrm>
             <a:prstGeom prst="rect">
               <a:avLst/>
@@ -6382,8 +6382,8 @@
                       <a:alpha val="100000"/>
                     </a:srgbClr>
                   </a:solidFill>
-                  <a:latin typeface="Arial"/>
-                  <a:cs typeface="Arial"/>
+                  <a:latin typeface="Helvetica"/>
+                  <a:cs typeface="Helvetica"/>
                 </a:rPr>
                 <a:t>mpg</a:t>
               </a:r>

--- a/tests/testthat/temp_fullslide.pptx
+++ b/tests/testthat/temp_fullslide.pptx
@@ -3440,8 +3440,8 @@
           </p:nvSpPr>
           <p:spPr>
             <a:xfrm>
-              <a:off x="793905" y="1877752"/>
-              <a:ext cx="10920518" cy="3812069"/>
+              <a:off x="793972" y="1877752"/>
+              <a:ext cx="10920451" cy="3812052"/>
             </a:xfrm>
             <a:prstGeom prst="rect">
               <a:avLst/>
@@ -3466,21 +3466,21 @@
           </p:nvSpPr>
           <p:spPr>
             <a:xfrm>
-              <a:off x="793905" y="5206861"/>
-              <a:ext cx="10920518" cy="0"/>
+              <a:off x="793972" y="5206846"/>
+              <a:ext cx="10920451" cy="0"/>
             </a:xfrm>
             <a:custGeom>
               <a:avLst/>
               <a:pathLst>
-                <a:path w="10920518" h="0">
+                <a:path w="10920451" h="0">
                   <a:moveTo>
                     <a:pt x="0" y="0"/>
                   </a:moveTo>
                   <a:lnTo>
-                    <a:pt x="10920518" y="0"/>
+                    <a:pt x="10920451" y="0"/>
                   </a:lnTo>
                   <a:lnTo>
-                    <a:pt x="10920518" y="0"/>
+                    <a:pt x="10920451" y="0"/>
                   </a:lnTo>
                 </a:path>
               </a:pathLst>
@@ -3509,21 +3509,21 @@
           </p:nvSpPr>
           <p:spPr>
             <a:xfrm>
-              <a:off x="793905" y="4469517"/>
-              <a:ext cx="10920518" cy="0"/>
+              <a:off x="793972" y="4469505"/>
+              <a:ext cx="10920451" cy="0"/>
             </a:xfrm>
             <a:custGeom>
               <a:avLst/>
               <a:pathLst>
-                <a:path w="10920518" h="0">
+                <a:path w="10920451" h="0">
                   <a:moveTo>
                     <a:pt x="0" y="0"/>
                   </a:moveTo>
                   <a:lnTo>
-                    <a:pt x="10920518" y="0"/>
+                    <a:pt x="10920451" y="0"/>
                   </a:lnTo>
                   <a:lnTo>
-                    <a:pt x="10920518" y="0"/>
+                    <a:pt x="10920451" y="0"/>
                   </a:lnTo>
                 </a:path>
               </a:pathLst>
@@ -3552,21 +3552,21 @@
           </p:nvSpPr>
           <p:spPr>
             <a:xfrm>
-              <a:off x="793905" y="3732172"/>
-              <a:ext cx="10920518" cy="0"/>
+              <a:off x="793972" y="3732164"/>
+              <a:ext cx="10920451" cy="0"/>
             </a:xfrm>
             <a:custGeom>
               <a:avLst/>
               <a:pathLst>
-                <a:path w="10920518" h="0">
+                <a:path w="10920451" h="0">
                   <a:moveTo>
                     <a:pt x="0" y="0"/>
                   </a:moveTo>
                   <a:lnTo>
-                    <a:pt x="10920518" y="0"/>
+                    <a:pt x="10920451" y="0"/>
                   </a:lnTo>
                   <a:lnTo>
-                    <a:pt x="10920518" y="0"/>
+                    <a:pt x="10920451" y="0"/>
                   </a:lnTo>
                 </a:path>
               </a:pathLst>
@@ -3595,21 +3595,21 @@
           </p:nvSpPr>
           <p:spPr>
             <a:xfrm>
-              <a:off x="793905" y="2994828"/>
-              <a:ext cx="10920518" cy="0"/>
+              <a:off x="793972" y="2994823"/>
+              <a:ext cx="10920451" cy="0"/>
             </a:xfrm>
             <a:custGeom>
               <a:avLst/>
               <a:pathLst>
-                <a:path w="10920518" h="0">
+                <a:path w="10920451" h="0">
                   <a:moveTo>
                     <a:pt x="0" y="0"/>
                   </a:moveTo>
                   <a:lnTo>
-                    <a:pt x="10920518" y="0"/>
+                    <a:pt x="10920451" y="0"/>
                   </a:lnTo>
                   <a:lnTo>
-                    <a:pt x="10920518" y="0"/>
+                    <a:pt x="10920451" y="0"/>
                   </a:lnTo>
                 </a:path>
               </a:pathLst>
@@ -3638,21 +3638,21 @@
           </p:nvSpPr>
           <p:spPr>
             <a:xfrm>
-              <a:off x="793905" y="2257484"/>
-              <a:ext cx="10920518" cy="0"/>
+              <a:off x="793972" y="2257482"/>
+              <a:ext cx="10920451" cy="0"/>
             </a:xfrm>
             <a:custGeom>
               <a:avLst/>
               <a:pathLst>
-                <a:path w="10920518" h="0">
+                <a:path w="10920451" h="0">
                   <a:moveTo>
                     <a:pt x="0" y="0"/>
                   </a:moveTo>
                   <a:lnTo>
-                    <a:pt x="10920518" y="0"/>
+                    <a:pt x="10920451" y="0"/>
                   </a:lnTo>
                   <a:lnTo>
-                    <a:pt x="10920518" y="0"/>
+                    <a:pt x="10920451" y="0"/>
                   </a:lnTo>
                 </a:path>
               </a:pathLst>
@@ -3681,15 +3681,15 @@
           </p:nvSpPr>
           <p:spPr>
             <a:xfrm>
-              <a:off x="1257292" y="1877752"/>
-              <a:ext cx="0" cy="3812069"/>
+              <a:off x="1257357" y="1877752"/>
+              <a:ext cx="0" cy="3812052"/>
             </a:xfrm>
             <a:custGeom>
               <a:avLst/>
               <a:pathLst>
-                <a:path w="0" h="3812069">
+                <a:path w="0" h="3812052">
                   <a:moveTo>
-                    <a:pt x="0" y="3812069"/>
+                    <a:pt x="0" y="3812052"/>
                   </a:moveTo>
                   <a:lnTo>
                     <a:pt x="0" y="0"/>
@@ -3724,15 +3724,15 @@
           </p:nvSpPr>
           <p:spPr>
             <a:xfrm>
-              <a:off x="3795708" y="1877752"/>
-              <a:ext cx="0" cy="3812069"/>
+              <a:off x="3795757" y="1877752"/>
+              <a:ext cx="0" cy="3812052"/>
             </a:xfrm>
             <a:custGeom>
               <a:avLst/>
               <a:pathLst>
-                <a:path w="0" h="3812069">
+                <a:path w="0" h="3812052">
                   <a:moveTo>
-                    <a:pt x="0" y="3812069"/>
+                    <a:pt x="0" y="3812052"/>
                   </a:moveTo>
                   <a:lnTo>
                     <a:pt x="0" y="0"/>
@@ -3767,15 +3767,15 @@
           </p:nvSpPr>
           <p:spPr>
             <a:xfrm>
-              <a:off x="6334124" y="1877752"/>
-              <a:ext cx="0" cy="3812069"/>
+              <a:off x="6334157" y="1877752"/>
+              <a:ext cx="0" cy="3812052"/>
             </a:xfrm>
             <a:custGeom>
               <a:avLst/>
               <a:pathLst>
-                <a:path w="0" h="3812069">
+                <a:path w="0" h="3812052">
                   <a:moveTo>
-                    <a:pt x="0" y="3812069"/>
+                    <a:pt x="0" y="3812052"/>
                   </a:moveTo>
                   <a:lnTo>
                     <a:pt x="0" y="0"/>
@@ -3810,15 +3810,15 @@
           </p:nvSpPr>
           <p:spPr>
             <a:xfrm>
-              <a:off x="8872540" y="1877752"/>
-              <a:ext cx="0" cy="3812069"/>
+              <a:off x="8872557" y="1877752"/>
+              <a:ext cx="0" cy="3812052"/>
             </a:xfrm>
             <a:custGeom>
               <a:avLst/>
               <a:pathLst>
-                <a:path w="0" h="3812069">
+                <a:path w="0" h="3812052">
                   <a:moveTo>
-                    <a:pt x="0" y="3812069"/>
+                    <a:pt x="0" y="3812052"/>
                   </a:moveTo>
                   <a:lnTo>
                     <a:pt x="0" y="0"/>
@@ -3853,15 +3853,15 @@
           </p:nvSpPr>
           <p:spPr>
             <a:xfrm>
-              <a:off x="11410956" y="1877752"/>
-              <a:ext cx="0" cy="3812069"/>
+              <a:off x="11410958" y="1877752"/>
+              <a:ext cx="0" cy="3812052"/>
             </a:xfrm>
             <a:custGeom>
               <a:avLst/>
               <a:pathLst>
-                <a:path w="0" h="3812069">
+                <a:path w="0" h="3812052">
                   <a:moveTo>
-                    <a:pt x="0" y="3812069"/>
+                    <a:pt x="0" y="3812052"/>
                   </a:moveTo>
                   <a:lnTo>
                     <a:pt x="0" y="0"/>
@@ -3896,21 +3896,21 @@
           </p:nvSpPr>
           <p:spPr>
             <a:xfrm>
-              <a:off x="793905" y="5575533"/>
-              <a:ext cx="10920518" cy="0"/>
+              <a:off x="793972" y="5575516"/>
+              <a:ext cx="10920451" cy="0"/>
             </a:xfrm>
             <a:custGeom>
               <a:avLst/>
               <a:pathLst>
-                <a:path w="10920518" h="0">
+                <a:path w="10920451" h="0">
                   <a:moveTo>
                     <a:pt x="0" y="0"/>
                   </a:moveTo>
                   <a:lnTo>
-                    <a:pt x="10920518" y="0"/>
+                    <a:pt x="10920451" y="0"/>
                   </a:lnTo>
                   <a:lnTo>
-                    <a:pt x="10920518" y="0"/>
+                    <a:pt x="10920451" y="0"/>
                   </a:lnTo>
                 </a:path>
               </a:pathLst>
@@ -3939,21 +3939,21 @@
           </p:nvSpPr>
           <p:spPr>
             <a:xfrm>
-              <a:off x="793905" y="4838189"/>
-              <a:ext cx="10920518" cy="0"/>
+              <a:off x="793972" y="4838175"/>
+              <a:ext cx="10920451" cy="0"/>
             </a:xfrm>
             <a:custGeom>
               <a:avLst/>
               <a:pathLst>
-                <a:path w="10920518" h="0">
+                <a:path w="10920451" h="0">
                   <a:moveTo>
                     <a:pt x="0" y="0"/>
                   </a:moveTo>
                   <a:lnTo>
-                    <a:pt x="10920518" y="0"/>
+                    <a:pt x="10920451" y="0"/>
                   </a:lnTo>
                   <a:lnTo>
-                    <a:pt x="10920518" y="0"/>
+                    <a:pt x="10920451" y="0"/>
                   </a:lnTo>
                 </a:path>
               </a:pathLst>
@@ -3982,21 +3982,21 @@
           </p:nvSpPr>
           <p:spPr>
             <a:xfrm>
-              <a:off x="793905" y="4100845"/>
-              <a:ext cx="10920518" cy="0"/>
+              <a:off x="793972" y="4100834"/>
+              <a:ext cx="10920451" cy="0"/>
             </a:xfrm>
             <a:custGeom>
               <a:avLst/>
               <a:pathLst>
-                <a:path w="10920518" h="0">
+                <a:path w="10920451" h="0">
                   <a:moveTo>
                     <a:pt x="0" y="0"/>
                   </a:moveTo>
                   <a:lnTo>
-                    <a:pt x="10920518" y="0"/>
+                    <a:pt x="10920451" y="0"/>
                   </a:lnTo>
                   <a:lnTo>
-                    <a:pt x="10920518" y="0"/>
+                    <a:pt x="10920451" y="0"/>
                   </a:lnTo>
                 </a:path>
               </a:pathLst>
@@ -4025,21 +4025,21 @@
           </p:nvSpPr>
           <p:spPr>
             <a:xfrm>
-              <a:off x="793905" y="3363500"/>
-              <a:ext cx="10920518" cy="0"/>
+              <a:off x="793972" y="3363494"/>
+              <a:ext cx="10920451" cy="0"/>
             </a:xfrm>
             <a:custGeom>
               <a:avLst/>
               <a:pathLst>
-                <a:path w="10920518" h="0">
+                <a:path w="10920451" h="0">
                   <a:moveTo>
                     <a:pt x="0" y="0"/>
                   </a:moveTo>
                   <a:lnTo>
-                    <a:pt x="10920518" y="0"/>
+                    <a:pt x="10920451" y="0"/>
                   </a:lnTo>
                   <a:lnTo>
-                    <a:pt x="10920518" y="0"/>
+                    <a:pt x="10920451" y="0"/>
                   </a:lnTo>
                 </a:path>
               </a:pathLst>
@@ -4068,21 +4068,21 @@
           </p:nvSpPr>
           <p:spPr>
             <a:xfrm>
-              <a:off x="793905" y="2626156"/>
-              <a:ext cx="10920518" cy="0"/>
+              <a:off x="793972" y="2626153"/>
+              <a:ext cx="10920451" cy="0"/>
             </a:xfrm>
             <a:custGeom>
               <a:avLst/>
               <a:pathLst>
-                <a:path w="10920518" h="0">
+                <a:path w="10920451" h="0">
                   <a:moveTo>
                     <a:pt x="0" y="0"/>
                   </a:moveTo>
                   <a:lnTo>
-                    <a:pt x="10920518" y="0"/>
+                    <a:pt x="10920451" y="0"/>
                   </a:lnTo>
                   <a:lnTo>
-                    <a:pt x="10920518" y="0"/>
+                    <a:pt x="10920451" y="0"/>
                   </a:lnTo>
                 </a:path>
               </a:pathLst>
@@ -4111,21 +4111,21 @@
           </p:nvSpPr>
           <p:spPr>
             <a:xfrm>
-              <a:off x="793905" y="1888812"/>
-              <a:ext cx="10920518" cy="0"/>
+              <a:off x="793972" y="1888812"/>
+              <a:ext cx="10920451" cy="0"/>
             </a:xfrm>
             <a:custGeom>
               <a:avLst/>
               <a:pathLst>
-                <a:path w="10920518" h="0">
+                <a:path w="10920451" h="0">
                   <a:moveTo>
                     <a:pt x="0" y="0"/>
                   </a:moveTo>
                   <a:lnTo>
-                    <a:pt x="10920518" y="0"/>
+                    <a:pt x="10920451" y="0"/>
                   </a:lnTo>
                   <a:lnTo>
-                    <a:pt x="10920518" y="0"/>
+                    <a:pt x="10920451" y="0"/>
                   </a:lnTo>
                 </a:path>
               </a:pathLst>
@@ -4154,15 +4154,15 @@
           </p:nvSpPr>
           <p:spPr>
             <a:xfrm>
-              <a:off x="2526500" y="1877752"/>
-              <a:ext cx="0" cy="3812069"/>
+              <a:off x="2526557" y="1877752"/>
+              <a:ext cx="0" cy="3812052"/>
             </a:xfrm>
             <a:custGeom>
               <a:avLst/>
               <a:pathLst>
-                <a:path w="0" h="3812069">
+                <a:path w="0" h="3812052">
                   <a:moveTo>
-                    <a:pt x="0" y="3812069"/>
+                    <a:pt x="0" y="3812052"/>
                   </a:moveTo>
                   <a:lnTo>
                     <a:pt x="0" y="0"/>
@@ -4197,15 +4197,15 @@
           </p:nvSpPr>
           <p:spPr>
             <a:xfrm>
-              <a:off x="5064916" y="1877752"/>
-              <a:ext cx="0" cy="3812069"/>
+              <a:off x="5064957" y="1877752"/>
+              <a:ext cx="0" cy="3812052"/>
             </a:xfrm>
             <a:custGeom>
               <a:avLst/>
               <a:pathLst>
-                <a:path w="0" h="3812069">
+                <a:path w="0" h="3812052">
                   <a:moveTo>
-                    <a:pt x="0" y="3812069"/>
+                    <a:pt x="0" y="3812052"/>
                   </a:moveTo>
                   <a:lnTo>
                     <a:pt x="0" y="0"/>
@@ -4240,15 +4240,15 @@
           </p:nvSpPr>
           <p:spPr>
             <a:xfrm>
-              <a:off x="7603332" y="1877752"/>
-              <a:ext cx="0" cy="3812069"/>
+              <a:off x="7603357" y="1877752"/>
+              <a:ext cx="0" cy="3812052"/>
             </a:xfrm>
             <a:custGeom>
               <a:avLst/>
               <a:pathLst>
-                <a:path w="0" h="3812069">
+                <a:path w="0" h="3812052">
                   <a:moveTo>
-                    <a:pt x="0" y="3812069"/>
+                    <a:pt x="0" y="3812052"/>
                   </a:moveTo>
                   <a:lnTo>
                     <a:pt x="0" y="0"/>
@@ -4283,15 +4283,15 @@
           </p:nvSpPr>
           <p:spPr>
             <a:xfrm>
-              <a:off x="10141748" y="1877752"/>
-              <a:ext cx="0" cy="3812069"/>
+              <a:off x="10141758" y="1877752"/>
+              <a:ext cx="0" cy="3812052"/>
             </a:xfrm>
             <a:custGeom>
               <a:avLst/>
               <a:pathLst>
-                <a:path w="0" h="3812069">
+                <a:path w="0" h="3812052">
                   <a:moveTo>
-                    <a:pt x="0" y="3812069"/>
+                    <a:pt x="0" y="3812052"/>
                   </a:moveTo>
                   <a:lnTo>
                     <a:pt x="0" y="0"/>
@@ -4326,7 +4326,7 @@
           </p:nvSpPr>
           <p:spPr>
             <a:xfrm>
-              <a:off x="4067243" y="3920301"/>
+              <a:off x="4067290" y="3920291"/>
               <a:ext cx="66150" cy="66150"/>
             </a:xfrm>
             <a:prstGeom prst="ellipse">
@@ -4361,7 +4361,7 @@
           </p:nvSpPr>
           <p:spPr>
             <a:xfrm>
-              <a:off x="4714539" y="3920301"/>
+              <a:off x="4714582" y="3920291"/>
               <a:ext cx="66150" cy="66150"/>
             </a:xfrm>
             <a:prstGeom prst="ellipse">
@@ -4396,7 +4396,7 @@
           </p:nvSpPr>
           <p:spPr>
             <a:xfrm>
-              <a:off x="3305718" y="3654857"/>
+              <a:off x="3305770" y="3654849"/>
               <a:ext cx="66150" cy="66150"/>
             </a:xfrm>
             <a:prstGeom prst="ellipse">
@@ -4431,7 +4431,7 @@
           </p:nvSpPr>
           <p:spPr>
             <a:xfrm>
-              <a:off x="5577601" y="3861313"/>
+              <a:off x="5577638" y="3861304"/>
               <a:ext cx="66150" cy="66150"/>
             </a:xfrm>
             <a:prstGeom prst="ellipse">
@@ -4466,7 +4466,7 @@
           </p:nvSpPr>
           <p:spPr>
             <a:xfrm>
-              <a:off x="6148744" y="4259479"/>
+              <a:off x="6148778" y="4259468"/>
               <a:ext cx="66150" cy="66150"/>
             </a:xfrm>
             <a:prstGeom prst="ellipse">
@@ -4501,7 +4501,7 @@
           </p:nvSpPr>
           <p:spPr>
             <a:xfrm>
-              <a:off x="6199512" y="4347960"/>
+              <a:off x="6199546" y="4347949"/>
               <a:ext cx="66150" cy="66150"/>
             </a:xfrm>
             <a:prstGeom prst="ellipse">
@@ -4536,7 +4536,7 @@
           </p:nvSpPr>
           <p:spPr>
             <a:xfrm>
-              <a:off x="6478738" y="4908342"/>
+              <a:off x="6478770" y="4908328"/>
               <a:ext cx="66150" cy="66150"/>
             </a:xfrm>
             <a:prstGeom prst="ellipse">
@@ -4571,7 +4571,7 @@
           </p:nvSpPr>
           <p:spPr>
             <a:xfrm>
-              <a:off x="5514140" y="3418907"/>
+              <a:off x="5514178" y="3418899"/>
               <a:ext cx="66150" cy="66150"/>
             </a:xfrm>
             <a:prstGeom prst="ellipse">
@@ -4606,7 +4606,7 @@
           </p:nvSpPr>
           <p:spPr>
             <a:xfrm>
-              <a:off x="5412604" y="3654857"/>
+              <a:off x="5412642" y="3654849"/>
               <a:ext cx="66150" cy="66150"/>
             </a:xfrm>
             <a:prstGeom prst="ellipse">
@@ -4641,7 +4641,7 @@
           </p:nvSpPr>
           <p:spPr>
             <a:xfrm>
-              <a:off x="6148744" y="4185745"/>
+              <a:off x="6148778" y="4185734"/>
               <a:ext cx="66150" cy="66150"/>
             </a:xfrm>
             <a:prstGeom prst="ellipse">
@@ -4676,7 +4676,7 @@
           </p:nvSpPr>
           <p:spPr>
             <a:xfrm>
-              <a:off x="6148744" y="4392201"/>
+              <a:off x="6148778" y="4392189"/>
               <a:ext cx="66150" cy="66150"/>
             </a:xfrm>
             <a:prstGeom prst="ellipse">
@@ -4711,7 +4711,7 @@
           </p:nvSpPr>
           <p:spPr>
             <a:xfrm>
-              <a:off x="7747946" y="4598657"/>
+              <a:off x="7747970" y="4598645"/>
               <a:ext cx="66150" cy="66150"/>
             </a:xfrm>
             <a:prstGeom prst="ellipse">
@@ -4746,7 +4746,7 @@
           </p:nvSpPr>
           <p:spPr>
             <a:xfrm>
-              <a:off x="6884885" y="4465935"/>
+              <a:off x="6884914" y="4465924"/>
               <a:ext cx="66150" cy="66150"/>
             </a:xfrm>
             <a:prstGeom prst="ellipse">
@@ -4781,7 +4781,7 @@
           </p:nvSpPr>
           <p:spPr>
             <a:xfrm>
-              <a:off x="7011806" y="4775620"/>
+              <a:off x="7011834" y="4775607"/>
               <a:ext cx="66150" cy="66150"/>
             </a:xfrm>
             <a:prstGeom prst="ellipse">
@@ -4816,7 +4816,7 @@
           </p:nvSpPr>
           <p:spPr>
             <a:xfrm>
-              <a:off x="10743277" y="5483471"/>
+              <a:off x="10743283" y="5483454"/>
               <a:ext cx="66150" cy="66150"/>
             </a:xfrm>
             <a:prstGeom prst="ellipse">
@@ -4851,7 +4851,7 @@
           </p:nvSpPr>
           <p:spPr>
             <a:xfrm>
-              <a:off x="11184961" y="5483471"/>
+              <a:off x="11184964" y="5483454"/>
               <a:ext cx="66150" cy="66150"/>
             </a:xfrm>
             <a:prstGeom prst="ellipse">
@@ -4886,7 +4886,7 @@
           </p:nvSpPr>
           <p:spPr>
             <a:xfrm>
-              <a:off x="10984426" y="4849354"/>
+              <a:off x="10984431" y="4849341"/>
               <a:ext cx="66150" cy="66150"/>
             </a:xfrm>
             <a:prstGeom prst="ellipse">
@@ -4921,7 +4921,7 @@
           </p:nvSpPr>
           <p:spPr>
             <a:xfrm>
-              <a:off x="3001108" y="2239156"/>
+              <a:off x="3001162" y="2239154"/>
               <a:ext cx="66150" cy="66150"/>
             </a:xfrm>
             <a:prstGeom prst="ellipse">
@@ -4956,7 +4956,7 @@
           </p:nvSpPr>
           <p:spPr>
             <a:xfrm>
-              <a:off x="1516135" y="2534093"/>
+              <a:off x="1516198" y="2534090"/>
               <a:ext cx="66150" cy="66150"/>
             </a:xfrm>
             <a:prstGeom prst="ellipse">
@@ -4991,7 +4991,7 @@
           </p:nvSpPr>
           <p:spPr>
             <a:xfrm>
-              <a:off x="2074587" y="2017952"/>
+              <a:off x="2074646" y="2017952"/>
               <a:ext cx="66150" cy="66150"/>
             </a:xfrm>
             <a:prstGeom prst="ellipse">
@@ -5026,7 +5026,7 @@
           </p:nvSpPr>
           <p:spPr>
             <a:xfrm>
-              <a:off x="3673789" y="3846566"/>
+              <a:off x="3673838" y="3846557"/>
               <a:ext cx="66150" cy="66150"/>
             </a:xfrm>
             <a:prstGeom prst="ellipse">
@@ -5061,7 +5061,7 @@
           </p:nvSpPr>
           <p:spPr>
             <a:xfrm>
-              <a:off x="6351817" y="4731379"/>
+              <a:off x="6351850" y="4731366"/>
               <a:ext cx="66150" cy="66150"/>
             </a:xfrm>
             <a:prstGeom prst="ellipse">
@@ -5096,7 +5096,7 @@
           </p:nvSpPr>
           <p:spPr>
             <a:xfrm>
-              <a:off x="6136052" y="4775620"/>
+              <a:off x="6136086" y="4775607"/>
               <a:ext cx="66150" cy="66150"/>
             </a:xfrm>
             <a:prstGeom prst="ellipse">
@@ -5131,7 +5131,7 @@
           </p:nvSpPr>
           <p:spPr>
             <a:xfrm>
-              <a:off x="7164110" y="5055811"/>
+              <a:off x="7164138" y="5055796"/>
               <a:ext cx="66150" cy="66150"/>
             </a:xfrm>
             <a:prstGeom prst="ellipse">
@@ -5166,7 +5166,7 @@
           </p:nvSpPr>
           <p:spPr>
             <a:xfrm>
-              <a:off x="7176803" y="4185745"/>
+              <a:off x="7176830" y="4185734"/>
               <a:ext cx="66150" cy="66150"/>
             </a:xfrm>
             <a:prstGeom prst="ellipse">
@@ -5201,7 +5201,7 @@
           </p:nvSpPr>
           <p:spPr>
             <a:xfrm>
-              <a:off x="2328428" y="2991247"/>
+              <a:off x="2328486" y="2991242"/>
               <a:ext cx="66150" cy="66150"/>
             </a:xfrm>
             <a:prstGeom prst="ellipse">
@@ -5236,7 +5236,7 @@
           </p:nvSpPr>
           <p:spPr>
             <a:xfrm>
-              <a:off x="2848804" y="3182956"/>
+              <a:off x="2848858" y="3182950"/>
               <a:ext cx="66150" cy="66150"/>
             </a:xfrm>
             <a:prstGeom prst="ellipse">
@@ -5271,7 +5271,7 @@
           </p:nvSpPr>
           <p:spPr>
             <a:xfrm>
-              <a:off x="1257217" y="2534093"/>
+              <a:off x="1257281" y="2534090"/>
               <a:ext cx="66150" cy="66150"/>
             </a:xfrm>
             <a:prstGeom prst="ellipse">
@@ -5306,7 +5306,7 @@
           </p:nvSpPr>
           <p:spPr>
             <a:xfrm>
-              <a:off x="5463372" y="4687139"/>
+              <a:off x="5463410" y="4687126"/>
               <a:ext cx="66150" cy="66150"/>
             </a:xfrm>
             <a:prstGeom prst="ellipse">
@@ -5341,7 +5341,7 @@
           </p:nvSpPr>
           <p:spPr>
             <a:xfrm>
-              <a:off x="4448006" y="4112010"/>
+              <a:off x="4448050" y="4112000"/>
               <a:ext cx="66150" cy="66150"/>
             </a:xfrm>
             <a:prstGeom prst="ellipse">
@@ -5376,7 +5376,7 @@
           </p:nvSpPr>
           <p:spPr>
             <a:xfrm>
-              <a:off x="6478738" y="4805114"/>
+              <a:off x="6478770" y="4805100"/>
               <a:ext cx="66150" cy="66150"/>
             </a:xfrm>
             <a:prstGeom prst="ellipse">
@@ -5411,7 +5411,7 @@
           </p:nvSpPr>
           <p:spPr>
             <a:xfrm>
-              <a:off x="4473390" y="3861313"/>
+              <a:off x="4473434" y="3861304"/>
               <a:ext cx="66150" cy="66150"/>
             </a:xfrm>
             <a:prstGeom prst="ellipse">
@@ -5446,8 +5446,8 @@
           </p:nvSpPr>
           <p:spPr>
             <a:xfrm>
-              <a:off x="606963" y="5535342"/>
-              <a:ext cx="124311" cy="80272"/>
+              <a:off x="606983" y="5535466"/>
+              <a:ext cx="124358" cy="80101"/>
             </a:xfrm>
             <a:prstGeom prst="rect">
               <a:avLst/>
@@ -5492,8 +5492,8 @@
           </p:nvSpPr>
           <p:spPr>
             <a:xfrm>
-              <a:off x="606963" y="4798489"/>
-              <a:ext cx="124311" cy="79781"/>
+              <a:off x="606983" y="4798125"/>
+              <a:ext cx="124358" cy="80101"/>
             </a:xfrm>
             <a:prstGeom prst="rect">
               <a:avLst/>
@@ -5538,8 +5538,8 @@
           </p:nvSpPr>
           <p:spPr>
             <a:xfrm>
-              <a:off x="606963" y="4060381"/>
-              <a:ext cx="124311" cy="80545"/>
+              <a:off x="606983" y="4060784"/>
+              <a:ext cx="124358" cy="80101"/>
             </a:xfrm>
             <a:prstGeom prst="rect">
               <a:avLst/>
@@ -5584,8 +5584,8 @@
           </p:nvSpPr>
           <p:spPr>
             <a:xfrm>
-              <a:off x="606963" y="3323200"/>
-              <a:ext cx="124311" cy="80382"/>
+              <a:off x="606983" y="3323443"/>
+              <a:ext cx="124358" cy="80101"/>
             </a:xfrm>
             <a:prstGeom prst="rect">
               <a:avLst/>
@@ -5630,8 +5630,8 @@
           </p:nvSpPr>
           <p:spPr>
             <a:xfrm>
-              <a:off x="606963" y="2585856"/>
-              <a:ext cx="124311" cy="80382"/>
+              <a:off x="606983" y="2586102"/>
+              <a:ext cx="124358" cy="80101"/>
             </a:xfrm>
             <a:prstGeom prst="rect">
               <a:avLst/>
@@ -5676,8 +5676,8 @@
           </p:nvSpPr>
           <p:spPr>
             <a:xfrm>
-              <a:off x="606963" y="1848512"/>
-              <a:ext cx="124311" cy="80382"/>
+              <a:off x="606983" y="1848761"/>
+              <a:ext cx="124358" cy="80101"/>
             </a:xfrm>
             <a:prstGeom prst="rect">
               <a:avLst/>
@@ -5722,7 +5722,7 @@
           </p:nvSpPr>
           <p:spPr>
             <a:xfrm>
-              <a:off x="759110" y="5575533"/>
+              <a:off x="759177" y="5575516"/>
               <a:ext cx="34794" cy="0"/>
             </a:xfrm>
             <a:custGeom>
@@ -5762,7 +5762,7 @@
           </p:nvSpPr>
           <p:spPr>
             <a:xfrm>
-              <a:off x="759110" y="4838189"/>
+              <a:off x="759177" y="4838175"/>
               <a:ext cx="34794" cy="0"/>
             </a:xfrm>
             <a:custGeom>
@@ -5802,7 +5802,7 @@
           </p:nvSpPr>
           <p:spPr>
             <a:xfrm>
-              <a:off x="759110" y="4100845"/>
+              <a:off x="759177" y="4100834"/>
               <a:ext cx="34794" cy="0"/>
             </a:xfrm>
             <a:custGeom>
@@ -5842,7 +5842,7 @@
           </p:nvSpPr>
           <p:spPr>
             <a:xfrm>
-              <a:off x="759110" y="3363500"/>
+              <a:off x="759177" y="3363494"/>
               <a:ext cx="34794" cy="0"/>
             </a:xfrm>
             <a:custGeom>
@@ -5882,7 +5882,7 @@
           </p:nvSpPr>
           <p:spPr>
             <a:xfrm>
-              <a:off x="759110" y="2626156"/>
+              <a:off x="759177" y="2626153"/>
               <a:ext cx="34794" cy="0"/>
             </a:xfrm>
             <a:custGeom>
@@ -5922,7 +5922,7 @@
           </p:nvSpPr>
           <p:spPr>
             <a:xfrm>
-              <a:off x="759110" y="1888812"/>
+              <a:off x="759177" y="1888812"/>
               <a:ext cx="34794" cy="0"/>
             </a:xfrm>
             <a:custGeom>
@@ -5962,7 +5962,7 @@
           </p:nvSpPr>
           <p:spPr>
             <a:xfrm>
-              <a:off x="2526500" y="5689821"/>
+              <a:off x="2526557" y="5689804"/>
               <a:ext cx="0" cy="34794"/>
             </a:xfrm>
             <a:custGeom>
@@ -6002,7 +6002,7 @@
           </p:nvSpPr>
           <p:spPr>
             <a:xfrm>
-              <a:off x="5064916" y="5689821"/>
+              <a:off x="5064957" y="5689804"/>
               <a:ext cx="0" cy="34794"/>
             </a:xfrm>
             <a:custGeom>
@@ -6042,7 +6042,7 @@
           </p:nvSpPr>
           <p:spPr>
             <a:xfrm>
-              <a:off x="7603332" y="5689821"/>
+              <a:off x="7603357" y="5689804"/>
               <a:ext cx="0" cy="34794"/>
             </a:xfrm>
             <a:custGeom>
@@ -6082,7 +6082,7 @@
           </p:nvSpPr>
           <p:spPr>
             <a:xfrm>
-              <a:off x="10141748" y="5689821"/>
+              <a:off x="10141758" y="5689804"/>
               <a:ext cx="0" cy="34794"/>
             </a:xfrm>
             <a:custGeom>
@@ -6122,8 +6122,8 @@
           </p:nvSpPr>
           <p:spPr>
             <a:xfrm>
-              <a:off x="2495423" y="5754198"/>
-              <a:ext cx="62155" cy="78417"/>
+              <a:off x="2495467" y="5752434"/>
+              <a:ext cx="62179" cy="80101"/>
             </a:xfrm>
             <a:prstGeom prst="rect">
               <a:avLst/>
@@ -6168,8 +6168,8 @@
           </p:nvSpPr>
           <p:spPr>
             <a:xfrm>
-              <a:off x="5033838" y="5752233"/>
-              <a:ext cx="62155" cy="80382"/>
+              <a:off x="5033867" y="5752434"/>
+              <a:ext cx="62179" cy="80101"/>
             </a:xfrm>
             <a:prstGeom prst="rect">
               <a:avLst/>
@@ -6214,8 +6214,8 @@
           </p:nvSpPr>
           <p:spPr>
             <a:xfrm>
-              <a:off x="7572254" y="5754252"/>
-              <a:ext cx="62155" cy="78362"/>
+              <a:off x="7572268" y="5752434"/>
+              <a:ext cx="62179" cy="80101"/>
             </a:xfrm>
             <a:prstGeom prst="rect">
               <a:avLst/>
@@ -6260,8 +6260,8 @@
           </p:nvSpPr>
           <p:spPr>
             <a:xfrm>
-              <a:off x="10110670" y="5753816"/>
-              <a:ext cx="62155" cy="78799"/>
+              <a:off x="10110668" y="5752434"/>
+              <a:ext cx="62179" cy="80101"/>
             </a:xfrm>
             <a:prstGeom prst="rect">
               <a:avLst/>
@@ -6306,8 +6306,8 @@
           </p:nvSpPr>
           <p:spPr>
             <a:xfrm>
-              <a:off x="6184314" y="5897724"/>
-              <a:ext cx="139700" cy="94611"/>
+              <a:off x="6184383" y="5892110"/>
+              <a:ext cx="139628" cy="100218"/>
             </a:xfrm>
             <a:prstGeom prst="rect">
               <a:avLst/>
@@ -6352,8 +6352,8 @@
           </p:nvSpPr>
           <p:spPr>
             <a:xfrm rot="-5400000">
-              <a:off x="352523" y="3730922"/>
-              <a:ext cx="271760" cy="105729"/>
+              <a:off x="355247" y="3733669"/>
+              <a:ext cx="271851" cy="100218"/>
             </a:xfrm>
             <a:prstGeom prst="rect">
               <a:avLst/>
